--- a/etc/sciencebase/SBSync_Demo.pptx
+++ b/etc/sciencebase/SBSync_Demo.pptx
@@ -522,6 +522,67 @@
     </a:lvl9pPr>
   </p:notesStyle>
 </p:notesMaster>
+</file>
+
+<file path=ppt/notesSlides/notesSlide1.xml><?xml version="1.0" encoding="utf-8"?>
+<p:notes xmlns:a="http://schemas.openxmlformats.org/drawingml/2006/main" xmlns:r="http://schemas.openxmlformats.org/officeDocument/2006/relationships" xmlns:p="http://schemas.openxmlformats.org/presentationml/2006/main">
+  <p:cSld>
+    <p:spTree>
+      <p:nvGrpSpPr>
+        <p:cNvPr id="1" name=""/>
+        <p:cNvGrpSpPr/>
+        <p:nvPr/>
+      </p:nvGrpSpPr>
+      <p:grpSpPr>
+        <a:xfrm>
+          <a:off x="0" y="0"/>
+          <a:ext cx="0" cy="0"/>
+          <a:chOff x="0" y="0"/>
+          <a:chExt cx="0" cy="0"/>
+        </a:xfrm>
+      </p:grpSpPr>
+      <p:sp>
+        <p:nvSpPr>
+          <p:cNvPr id="2" name="Slide Image Placeholder 1"/>
+          <p:cNvSpPr>
+            <a:spLocks noGrp="1" noRot="1" noChangeAspect="1"/>
+          </p:cNvSpPr>
+          <p:nvPr>
+            <p:ph type="sldImg"/>
+          </p:nvPr>
+        </p:nvSpPr>
+        <p:spPr/>
+      </p:sp>
+      <p:sp>
+        <p:nvSpPr>
+          <p:cNvPr id="3" name="Notes Placeholder 2"/>
+          <p:cNvSpPr>
+            <a:spLocks noGrp="1"/>
+          </p:cNvSpPr>
+          <p:nvPr>
+            <p:ph type="body" idx="1"/>
+          </p:nvPr>
+        </p:nvSpPr>
+        <p:spPr/>
+        <p:txBody>
+          <a:bodyPr/>
+          <a:lstStyle/>
+          <a:p>
+            <a:endParaRPr lang="en-US" dirty="0"/>
+          </a:p>
+        </p:txBody>
+      </p:sp>
+    </p:spTree>
+    <p:extLst>
+      <p:ext uri="{BB962C8B-B14F-4D97-AF65-F5344CB8AC3E}">
+        <p14:creationId xmlns:p14="http://schemas.microsoft.com/office/powerpoint/2010/main" val="1581195269"/>
+      </p:ext>
+    </p:extLst>
+  </p:cSld>
+  <p:clrMapOvr>
+    <a:masterClrMapping/>
+  </p:clrMapOvr>
+</p:notes>
 </file>
 
 <file path=ppt/slideLayouts/slideLayout1.xml><?xml version="1.0" encoding="utf-8"?>
@@ -3044,18 +3105,14 @@
           <a:lstStyle/>
           <a:p>
             <a:r>
-              <a:rPr lang="en-US" sz="4800" dirty="0" err="1"/>
-              <a:t>SBTreeView</a:t>
-            </a:r>
-            <a:r>
-              <a:rPr lang="en-US" sz="4800" dirty="0"/>
-              <a:t> and </a:t>
-            </a:r>
-            <a:r>
-              <a:rPr lang="en-US" sz="4800" dirty="0" err="1"/>
-              <a:t>SBSync</a:t>
-            </a:r>
-            <a:endParaRPr lang="en-US" sz="4800" dirty="0"/>
+              <a:rPr lang="en-US" sz="3600" dirty="0"/>
+              <a:t>File Syncing Tool for </a:t>
+            </a:r>
+            <a:r>
+              <a:rPr lang="en-US" sz="3600" dirty="0" err="1"/>
+              <a:t>ScienceBase</a:t>
+            </a:r>
+            <a:endParaRPr lang="en-US" sz="3600" dirty="0"/>
           </a:p>
         </p:txBody>
       </p:sp>
@@ -3081,14 +3138,9 @@
           <a:lstStyle/>
           <a:p>
             <a:r>
-              <a:rPr lang="en-US" sz="2800" dirty="0"/>
-              <a:t>File Syncing Tool for </a:t>
-            </a:r>
-            <a:r>
-              <a:rPr lang="en-US" sz="2800" dirty="0" err="1"/>
-              <a:t>ScienceBase</a:t>
-            </a:r>
-            <a:endParaRPr lang="en-US" sz="2800" dirty="0"/>
+              <a:rPr lang="en-US" sz="2000" dirty="0"/>
+              <a:t>Scott Paulinski</a:t>
+            </a:r>
           </a:p>
         </p:txBody>
       </p:sp>
@@ -3216,15 +3268,7 @@
             </a:r>
             <a:r>
               <a:rPr lang="en-US" sz="1600" dirty="0"/>
-              <a:t> either </a:t>
-            </a:r>
-            <a:r>
-              <a:rPr lang="en-US" sz="1600" dirty="0" err="1"/>
-              <a:t>dso</a:t>
-            </a:r>
-            <a:r>
-              <a:rPr lang="en-US" sz="1600" dirty="0"/>
-              <a:t> not exist or are out of date locally</a:t>
+              <a:t> either does not exist or are out of date locally</a:t>
             </a:r>
           </a:p>
           <a:p>
@@ -5691,7 +5735,7 @@
             <a:pPr lvl="1"/>
             <a:r>
               <a:rPr lang="en-US" sz="2250" dirty="0"/>
-              <a:t>Currently Alpha version 0.12</a:t>
+              <a:t>Currently Beta version 0.12</a:t>
             </a:r>
           </a:p>
           <a:p>
@@ -5807,7 +5851,7 @@
           <a:p>
             <a:r>
               <a:rPr lang="en-US" sz="2400" dirty="0"/>
-              <a:t>Sbtreeview.py dependencies</a:t>
+              <a:t>sbtreeview.py dependencies</a:t>
             </a:r>
           </a:p>
           <a:p>
@@ -6252,6 +6296,12 @@
           <a:p>
             <a:r>
               <a:rPr lang="en-US" sz="2000" dirty="0"/>
+              <a:t>sbtreeview.py tracks whether files are out of sync </a:t>
+            </a:r>
+          </a:p>
+          <a:p>
+            <a:r>
+              <a:rPr lang="en-US" sz="2000" dirty="0"/>
               <a:t>File modification dates are used to determine if local and </a:t>
             </a:r>
             <a:r>
@@ -6744,7 +6794,7 @@
           <a:p>
             <a:r>
               <a:rPr lang="en-US" sz="2400" dirty="0"/>
-              <a:t>Create a file within the mirrored </a:t>
+              <a:t>Create or modify a file within the mirrored </a:t>
             </a:r>
             <a:r>
               <a:rPr lang="en-US" sz="2400" dirty="0" err="1"/>

--- a/etc/sciencebase/SBSync_Demo.pptx
+++ b/etc/sciencebase/SBSync_Demo.pptx
@@ -264,14 +264,14 @@
           <a:effectLst/>
           <a:extLst>
             <a:ext uri="{909E8E84-426E-40dd-AFC4-6F175D3DCCD1}">
-              <a14:hiddenFill xmlns:a14="http://schemas.microsoft.com/office/drawing/2010/main" xmlns="">
+              <a14:hiddenFill xmlns="" xmlns:a14="http://schemas.microsoft.com/office/drawing/2010/main">
                 <a:solidFill>
                   <a:schemeClr val="accent1"/>
                 </a:solidFill>
               </a14:hiddenFill>
             </a:ext>
             <a:ext uri="{91240B29-F687-4f45-9708-019B960494DF}">
-              <a14:hiddenLine xmlns:a14="http://schemas.microsoft.com/office/drawing/2010/main" xmlns="" w="12700">
+              <a14:hiddenLine xmlns="" xmlns:a14="http://schemas.microsoft.com/office/drawing/2010/main" w="12700">
                 <a:solidFill>
                   <a:schemeClr val="tx1"/>
                 </a:solidFill>
@@ -281,7 +281,7 @@
               </a14:hiddenLine>
             </a:ext>
             <a:ext uri="{AF507438-7753-43e0-B8FC-AC1667EBCBE1}">
-              <a14:hiddenEffects xmlns:a14="http://schemas.microsoft.com/office/drawing/2010/main" xmlns="">
+              <a14:hiddenEffects xmlns="" xmlns:a14="http://schemas.microsoft.com/office/drawing/2010/main">
                 <a:effectLst>
                   <a:outerShdw blurRad="63500" dist="38099" dir="2700000" algn="ctr" rotWithShape="0">
                     <a:schemeClr val="bg2">
@@ -292,7 +292,7 @@
               </a14:hiddenEffects>
             </a:ext>
             <a:ext uri="{FAA26D3D-D897-4be2-8F04-BA451C77F1D7}">
-              <ma14:placeholderFlag xmlns:ma14="http://schemas.microsoft.com/office/mac/drawingml/2011/main" xmlns="" val="1"/>
+              <ma14:placeholderFlag xmlns="" xmlns:ma14="http://schemas.microsoft.com/office/mac/drawingml/2011/main" val="1"/>
             </a:ext>
           </a:extLst>
         </p:spPr>
@@ -370,12 +370,12 @@
           <a:effectLst/>
           <a:extLst>
             <a:ext uri="{909E8E84-426E-40dd-AFC4-6F175D3DCCD1}">
-              <a14:hiddenFill xmlns:a14="http://schemas.microsoft.com/office/drawing/2010/main" xmlns="">
+              <a14:hiddenFill xmlns="" xmlns:a14="http://schemas.microsoft.com/office/drawing/2010/main">
                 <a:noFill/>
               </a14:hiddenFill>
             </a:ext>
             <a:ext uri="{AF507438-7753-43e0-B8FC-AC1667EBCBE1}">
-              <a14:hiddenEffects xmlns:a14="http://schemas.microsoft.com/office/drawing/2010/main" xmlns="">
+              <a14:hiddenEffects xmlns="" xmlns:a14="http://schemas.microsoft.com/office/drawing/2010/main">
                 <a:effectLst>
                   <a:outerShdw blurRad="63500" dist="38099" dir="2700000" algn="ctr" rotWithShape="0">
                     <a:srgbClr val="000000">
@@ -386,7 +386,7 @@
               </a14:hiddenEffects>
             </a:ext>
             <a:ext uri="{53640926-AAD7-44d8-BBD7-CCE9431645EC}">
-              <a14:shadowObscured xmlns:a14="http://schemas.microsoft.com/office/drawing/2010/main" xmlns="" val="1"/>
+              <a14:shadowObscured xmlns="" xmlns:a14="http://schemas.microsoft.com/office/drawing/2010/main" val="1"/>
             </a:ext>
           </a:extLst>
         </p:spPr>
@@ -585,6 +585,67 @@
 </p:notes>
 </file>
 
+<file path=ppt/notesSlides/notesSlide2.xml><?xml version="1.0" encoding="utf-8"?>
+<p:notes xmlns:a="http://schemas.openxmlformats.org/drawingml/2006/main" xmlns:r="http://schemas.openxmlformats.org/officeDocument/2006/relationships" xmlns:p="http://schemas.openxmlformats.org/presentationml/2006/main">
+  <p:cSld>
+    <p:spTree>
+      <p:nvGrpSpPr>
+        <p:cNvPr id="1" name=""/>
+        <p:cNvGrpSpPr/>
+        <p:nvPr/>
+      </p:nvGrpSpPr>
+      <p:grpSpPr>
+        <a:xfrm>
+          <a:off x="0" y="0"/>
+          <a:ext cx="0" cy="0"/>
+          <a:chOff x="0" y="0"/>
+          <a:chExt cx="0" cy="0"/>
+        </a:xfrm>
+      </p:grpSpPr>
+      <p:sp>
+        <p:nvSpPr>
+          <p:cNvPr id="2" name="Slide Image Placeholder 1"/>
+          <p:cNvSpPr>
+            <a:spLocks noGrp="1" noRot="1" noChangeAspect="1"/>
+          </p:cNvSpPr>
+          <p:nvPr>
+            <p:ph type="sldImg"/>
+          </p:nvPr>
+        </p:nvSpPr>
+        <p:spPr/>
+      </p:sp>
+      <p:sp>
+        <p:nvSpPr>
+          <p:cNvPr id="3" name="Notes Placeholder 2"/>
+          <p:cNvSpPr>
+            <a:spLocks noGrp="1"/>
+          </p:cNvSpPr>
+          <p:nvPr>
+            <p:ph type="body" idx="1"/>
+          </p:nvPr>
+        </p:nvSpPr>
+        <p:spPr/>
+        <p:txBody>
+          <a:bodyPr/>
+          <a:lstStyle/>
+          <a:p>
+            <a:endParaRPr lang="en-US" dirty="0"/>
+          </a:p>
+        </p:txBody>
+      </p:sp>
+    </p:spTree>
+    <p:extLst>
+      <p:ext uri="{BB962C8B-B14F-4D97-AF65-F5344CB8AC3E}">
+        <p14:creationId xmlns:p14="http://schemas.microsoft.com/office/powerpoint/2010/main" val="2947980505"/>
+      </p:ext>
+    </p:extLst>
+  </p:cSld>
+  <p:clrMapOvr>
+    <a:masterClrMapping/>
+  </p:clrMapOvr>
+</p:notes>
+</file>
+
 <file path=ppt/slideLayouts/slideLayout1.xml><?xml version="1.0" encoding="utf-8"?>
 <p:sldLayout xmlns:a="http://schemas.openxmlformats.org/drawingml/2006/main" xmlns:r="http://schemas.openxmlformats.org/officeDocument/2006/relationships" xmlns:p="http://schemas.openxmlformats.org/presentationml/2006/main" showMasterSp="0" type="title" preserve="1">
   <p:cSld name="Title Slide">
@@ -710,14 +771,14 @@
           </a:ln>
           <a:extLst>
             <a:ext uri="{909E8E84-426E-40dd-AFC4-6F175D3DCCD1}">
-              <a14:hiddenFill xmlns:a14="http://schemas.microsoft.com/office/drawing/2010/main" xmlns="">
+              <a14:hiddenFill xmlns="" xmlns:a14="http://schemas.microsoft.com/office/drawing/2010/main">
                 <a:solidFill>
                   <a:srgbClr val="FFFFFF"/>
                 </a:solidFill>
               </a14:hiddenFill>
             </a:ext>
             <a:ext uri="{91240B29-F687-4f45-9708-019B960494DF}">
-              <a14:hiddenLine xmlns:a14="http://schemas.microsoft.com/office/drawing/2010/main" xmlns="" w="9525">
+              <a14:hiddenLine xmlns="" xmlns:a14="http://schemas.microsoft.com/office/drawing/2010/main" w="9525">
                 <a:solidFill>
                   <a:srgbClr val="000000"/>
                 </a:solidFill>
@@ -758,14 +819,14 @@
           <a:effectLst/>
           <a:extLst>
             <a:ext uri="{909E8E84-426E-40dd-AFC4-6F175D3DCCD1}">
-              <a14:hiddenFill xmlns:a14="http://schemas.microsoft.com/office/drawing/2010/main" xmlns="">
+              <a14:hiddenFill xmlns="" xmlns:a14="http://schemas.microsoft.com/office/drawing/2010/main">
                 <a:solidFill>
                   <a:schemeClr val="accent1"/>
                 </a:solidFill>
               </a14:hiddenFill>
             </a:ext>
             <a:ext uri="{91240B29-F687-4f45-9708-019B960494DF}">
-              <a14:hiddenLine xmlns:a14="http://schemas.microsoft.com/office/drawing/2010/main" xmlns="" w="12700">
+              <a14:hiddenLine xmlns="" xmlns:a14="http://schemas.microsoft.com/office/drawing/2010/main" w="12700">
                 <a:solidFill>
                   <a:schemeClr val="tx1"/>
                 </a:solidFill>
@@ -775,7 +836,7 @@
               </a14:hiddenLine>
             </a:ext>
             <a:ext uri="{AF507438-7753-43e0-B8FC-AC1667EBCBE1}">
-              <a14:hiddenEffects xmlns:a14="http://schemas.microsoft.com/office/drawing/2010/main" xmlns="">
+              <a14:hiddenEffects xmlns="" xmlns:a14="http://schemas.microsoft.com/office/drawing/2010/main">
                 <a:effectLst>
                   <a:outerShdw blurRad="63500" dist="38099" dir="2700000" algn="ctr" rotWithShape="0">
                     <a:schemeClr val="bg2">
@@ -2414,14 +2475,14 @@
           <a:effectLst/>
           <a:extLst>
             <a:ext uri="{909E8E84-426E-40dd-AFC4-6F175D3DCCD1}">
-              <a14:hiddenFill xmlns:a14="http://schemas.microsoft.com/office/drawing/2010/main" xmlns="">
+              <a14:hiddenFill xmlns="" xmlns:a14="http://schemas.microsoft.com/office/drawing/2010/main">
                 <a:solidFill>
                   <a:schemeClr val="accent1"/>
                 </a:solidFill>
               </a14:hiddenFill>
             </a:ext>
             <a:ext uri="{91240B29-F687-4f45-9708-019B960494DF}">
-              <a14:hiddenLine xmlns:a14="http://schemas.microsoft.com/office/drawing/2010/main" xmlns="" w="12700">
+              <a14:hiddenLine xmlns="" xmlns:a14="http://schemas.microsoft.com/office/drawing/2010/main" w="12700">
                 <a:solidFill>
                   <a:schemeClr val="tx1"/>
                 </a:solidFill>
@@ -2431,7 +2492,7 @@
               </a14:hiddenLine>
             </a:ext>
             <a:ext uri="{AF507438-7753-43e0-B8FC-AC1667EBCBE1}">
-              <a14:hiddenEffects xmlns:a14="http://schemas.microsoft.com/office/drawing/2010/main" xmlns="">
+              <a14:hiddenEffects xmlns="" xmlns:a14="http://schemas.microsoft.com/office/drawing/2010/main">
                 <a:effectLst>
                   <a:outerShdw blurRad="63500" dist="38099" dir="2700000" algn="ctr" rotWithShape="0">
                     <a:schemeClr val="bg2">
@@ -2442,7 +2503,7 @@
               </a14:hiddenEffects>
             </a:ext>
             <a:ext uri="{FAA26D3D-D897-4be2-8F04-BA451C77F1D7}">
-              <ma14:placeholderFlag xmlns:ma14="http://schemas.microsoft.com/office/mac/drawingml/2011/main" xmlns="" val="1"/>
+              <ma14:placeholderFlag xmlns="" xmlns:ma14="http://schemas.microsoft.com/office/mac/drawingml/2011/main" val="1"/>
             </a:ext>
           </a:extLst>
         </p:spPr>
@@ -2487,14 +2548,14 @@
           <a:effectLst/>
           <a:extLst>
             <a:ext uri="{909E8E84-426E-40dd-AFC4-6F175D3DCCD1}">
-              <a14:hiddenFill xmlns:a14="http://schemas.microsoft.com/office/drawing/2010/main" xmlns="">
+              <a14:hiddenFill xmlns="" xmlns:a14="http://schemas.microsoft.com/office/drawing/2010/main">
                 <a:solidFill>
                   <a:schemeClr val="accent1"/>
                 </a:solidFill>
               </a14:hiddenFill>
             </a:ext>
             <a:ext uri="{91240B29-F687-4f45-9708-019B960494DF}">
-              <a14:hiddenLine xmlns:a14="http://schemas.microsoft.com/office/drawing/2010/main" xmlns="" w="12700">
+              <a14:hiddenLine xmlns="" xmlns:a14="http://schemas.microsoft.com/office/drawing/2010/main" w="12700">
                 <a:solidFill>
                   <a:schemeClr val="tx1"/>
                 </a:solidFill>
@@ -2504,7 +2565,7 @@
               </a14:hiddenLine>
             </a:ext>
             <a:ext uri="{AF507438-7753-43e0-B8FC-AC1667EBCBE1}">
-              <a14:hiddenEffects xmlns:a14="http://schemas.microsoft.com/office/drawing/2010/main" xmlns="">
+              <a14:hiddenEffects xmlns="" xmlns:a14="http://schemas.microsoft.com/office/drawing/2010/main">
                 <a:effectLst>
                   <a:outerShdw blurRad="63500" dist="38099" dir="2700000" algn="ctr" rotWithShape="0">
                     <a:schemeClr val="bg2">
@@ -2515,7 +2576,7 @@
               </a14:hiddenEffects>
             </a:ext>
             <a:ext uri="{FAA26D3D-D897-4be2-8F04-BA451C77F1D7}">
-              <ma14:placeholderFlag xmlns:ma14="http://schemas.microsoft.com/office/mac/drawingml/2011/main" xmlns="" val="1"/>
+              <ma14:placeholderFlag xmlns="" xmlns:ma14="http://schemas.microsoft.com/office/mac/drawingml/2011/main" val="1"/>
             </a:ext>
           </a:extLst>
         </p:spPr>
@@ -2605,14 +2666,14 @@
           </a:ln>
           <a:extLst>
             <a:ext uri="{909E8E84-426E-40dd-AFC4-6F175D3DCCD1}">
-              <a14:hiddenFill xmlns:a14="http://schemas.microsoft.com/office/drawing/2010/main" xmlns="">
+              <a14:hiddenFill xmlns="" xmlns:a14="http://schemas.microsoft.com/office/drawing/2010/main">
                 <a:solidFill>
                   <a:srgbClr val="FFFFFF"/>
                 </a:solidFill>
               </a14:hiddenFill>
             </a:ext>
             <a:ext uri="{91240B29-F687-4f45-9708-019B960494DF}">
-              <a14:hiddenLine xmlns:a14="http://schemas.microsoft.com/office/drawing/2010/main" xmlns="" w="9525">
+              <a14:hiddenLine xmlns="" xmlns:a14="http://schemas.microsoft.com/office/drawing/2010/main" w="9525">
                 <a:solidFill>
                   <a:srgbClr val="000000"/>
                 </a:solidFill>
@@ -4124,14 +4185,14 @@
           <a:effectLst/>
           <a:extLst>
             <a:ext uri="{909E8E84-426E-40dd-AFC4-6F175D3DCCD1}">
-              <a14:hiddenFill xmlns:a14="http://schemas.microsoft.com/office/drawing/2010/main" xmlns="">
+              <a14:hiddenFill xmlns="" xmlns:a14="http://schemas.microsoft.com/office/drawing/2010/main">
                 <a:solidFill>
                   <a:schemeClr val="accent1"/>
                 </a:solidFill>
               </a14:hiddenFill>
             </a:ext>
             <a:ext uri="{91240B29-F687-4f45-9708-019B960494DF}">
-              <a14:hiddenLine xmlns:a14="http://schemas.microsoft.com/office/drawing/2010/main" xmlns="" w="12700">
+              <a14:hiddenLine xmlns="" xmlns:a14="http://schemas.microsoft.com/office/drawing/2010/main" w="12700">
                 <a:solidFill>
                   <a:schemeClr val="tx1"/>
                 </a:solidFill>
@@ -4141,7 +4202,7 @@
               </a14:hiddenLine>
             </a:ext>
             <a:ext uri="{AF507438-7753-43e0-B8FC-AC1667EBCBE1}">
-              <a14:hiddenEffects xmlns:a14="http://schemas.microsoft.com/office/drawing/2010/main" xmlns="">
+              <a14:hiddenEffects xmlns="" xmlns:a14="http://schemas.microsoft.com/office/drawing/2010/main">
                 <a:effectLst>
                   <a:outerShdw blurRad="63500" dist="38099" dir="2700000" algn="ctr" rotWithShape="0">
                     <a:schemeClr val="bg2">
@@ -4152,7 +4213,7 @@
               </a14:hiddenEffects>
             </a:ext>
             <a:ext uri="{FAA26D3D-D897-4be2-8F04-BA451C77F1D7}">
-              <ma14:placeholderFlag xmlns:ma14="http://schemas.microsoft.com/office/mac/drawingml/2011/main" xmlns="" val="1"/>
+              <ma14:placeholderFlag xmlns="" xmlns:ma14="http://schemas.microsoft.com/office/mac/drawingml/2011/main" val="1"/>
             </a:ext>
           </a:extLst>
         </p:spPr>
@@ -4682,14 +4743,14 @@
           <a:effectLst/>
           <a:extLst>
             <a:ext uri="{909E8E84-426E-40dd-AFC4-6F175D3DCCD1}">
-              <a14:hiddenFill xmlns:a14="http://schemas.microsoft.com/office/drawing/2010/main" xmlns="">
+              <a14:hiddenFill xmlns="" xmlns:a14="http://schemas.microsoft.com/office/drawing/2010/main">
                 <a:solidFill>
                   <a:schemeClr val="accent1"/>
                 </a:solidFill>
               </a14:hiddenFill>
             </a:ext>
             <a:ext uri="{91240B29-F687-4f45-9708-019B960494DF}">
-              <a14:hiddenLine xmlns:a14="http://schemas.microsoft.com/office/drawing/2010/main" xmlns="" w="12700">
+              <a14:hiddenLine xmlns="" xmlns:a14="http://schemas.microsoft.com/office/drawing/2010/main" w="12700">
                 <a:solidFill>
                   <a:schemeClr val="tx1"/>
                 </a:solidFill>
@@ -4699,7 +4760,7 @@
               </a14:hiddenLine>
             </a:ext>
             <a:ext uri="{AF507438-7753-43e0-B8FC-AC1667EBCBE1}">
-              <a14:hiddenEffects xmlns:a14="http://schemas.microsoft.com/office/drawing/2010/main" xmlns="">
+              <a14:hiddenEffects xmlns="" xmlns:a14="http://schemas.microsoft.com/office/drawing/2010/main">
                 <a:effectLst>
                   <a:outerShdw blurRad="63500" dist="38099" dir="2700000" algn="ctr" rotWithShape="0">
                     <a:schemeClr val="bg2">
@@ -4710,7 +4771,7 @@
               </a14:hiddenEffects>
             </a:ext>
             <a:ext uri="{FAA26D3D-D897-4be2-8F04-BA451C77F1D7}">
-              <ma14:placeholderFlag xmlns:ma14="http://schemas.microsoft.com/office/mac/drawingml/2011/main" xmlns="" val="1"/>
+              <ma14:placeholderFlag xmlns="" xmlns:ma14="http://schemas.microsoft.com/office/mac/drawingml/2011/main" val="1"/>
             </a:ext>
           </a:extLst>
         </p:spPr>
@@ -5199,14 +5260,14 @@
           <a:effectLst/>
           <a:extLst>
             <a:ext uri="{909E8E84-426E-40dd-AFC4-6F175D3DCCD1}">
-              <a14:hiddenFill xmlns:a14="http://schemas.microsoft.com/office/drawing/2010/main" xmlns="">
+              <a14:hiddenFill xmlns="" xmlns:a14="http://schemas.microsoft.com/office/drawing/2010/main">
                 <a:solidFill>
                   <a:schemeClr val="accent1"/>
                 </a:solidFill>
               </a14:hiddenFill>
             </a:ext>
             <a:ext uri="{91240B29-F687-4f45-9708-019B960494DF}">
-              <a14:hiddenLine xmlns:a14="http://schemas.microsoft.com/office/drawing/2010/main" xmlns="" w="12700">
+              <a14:hiddenLine xmlns="" xmlns:a14="http://schemas.microsoft.com/office/drawing/2010/main" w="12700">
                 <a:solidFill>
                   <a:schemeClr val="tx1"/>
                 </a:solidFill>
@@ -5216,7 +5277,7 @@
               </a14:hiddenLine>
             </a:ext>
             <a:ext uri="{AF507438-7753-43e0-B8FC-AC1667EBCBE1}">
-              <a14:hiddenEffects xmlns:a14="http://schemas.microsoft.com/office/drawing/2010/main" xmlns="">
+              <a14:hiddenEffects xmlns="" xmlns:a14="http://schemas.microsoft.com/office/drawing/2010/main">
                 <a:effectLst>
                   <a:outerShdw blurRad="63500" dist="38099" dir="2700000" algn="ctr" rotWithShape="0">
                     <a:schemeClr val="bg2">
@@ -5227,7 +5288,7 @@
               </a14:hiddenEffects>
             </a:ext>
             <a:ext uri="{FAA26D3D-D897-4be2-8F04-BA451C77F1D7}">
-              <ma14:placeholderFlag xmlns:ma14="http://schemas.microsoft.com/office/mac/drawingml/2011/main" xmlns="" val="1"/>
+              <ma14:placeholderFlag xmlns="" xmlns:ma14="http://schemas.microsoft.com/office/mac/drawingml/2011/main" val="1"/>
             </a:ext>
           </a:extLst>
         </p:spPr>
@@ -6706,6 +6767,12 @@
               <a:t> Viewer window</a:t>
             </a:r>
           </a:p>
+          <a:p>
+            <a:r>
+              <a:rPr lang="en-US" sz="2400" dirty="0"/>
+              <a:t>Zip archives are automatically extracted</a:t>
+            </a:r>
+          </a:p>
         </p:txBody>
       </p:sp>
     </p:spTree>
@@ -6793,72 +6860,85 @@
           <a:lstStyle/>
           <a:p>
             <a:r>
-              <a:rPr lang="en-US" sz="2400" dirty="0"/>
+              <a:rPr lang="en-US" sz="2000" dirty="0"/>
               <a:t>Create or modify a file within the mirrored </a:t>
             </a:r>
             <a:r>
-              <a:rPr lang="en-US" sz="2400" dirty="0" err="1"/>
+              <a:rPr lang="en-US" sz="2000" dirty="0" err="1"/>
               <a:t>ScienceBase</a:t>
             </a:r>
             <a:r>
-              <a:rPr lang="en-US" sz="2400" dirty="0"/>
+              <a:rPr lang="en-US" sz="2000" dirty="0"/>
               <a:t> folder structure on your local machine</a:t>
             </a:r>
           </a:p>
           <a:p>
             <a:r>
-              <a:rPr lang="en-US" sz="2400" dirty="0"/>
+              <a:rPr lang="en-US" sz="2000" dirty="0"/>
               <a:t>In the </a:t>
             </a:r>
             <a:r>
-              <a:rPr lang="en-US" sz="2400" dirty="0" err="1"/>
+              <a:rPr lang="en-US" sz="2000" dirty="0" err="1"/>
               <a:t>ScienceBase</a:t>
             </a:r>
             <a:r>
-              <a:rPr lang="en-US" sz="2400" dirty="0"/>
+              <a:rPr lang="en-US" sz="2000" dirty="0"/>
               <a:t> Viewer window upper-right corner click “Refresh”</a:t>
             </a:r>
           </a:p>
           <a:p>
             <a:r>
-              <a:rPr lang="en-US" sz="2400" dirty="0"/>
+              <a:rPr lang="en-US" sz="2000" dirty="0"/>
               <a:t>In the </a:t>
             </a:r>
             <a:r>
-              <a:rPr lang="en-US" sz="2400" dirty="0" err="1"/>
+              <a:rPr lang="en-US" sz="2000" dirty="0" err="1"/>
               <a:t>ScienceBase</a:t>
             </a:r>
             <a:r>
-              <a:rPr lang="en-US" sz="2400" dirty="0"/>
+              <a:rPr lang="en-US" sz="2000" dirty="0"/>
               <a:t> Viewer tree view to the click on the folder containing the file you want to upload</a:t>
             </a:r>
           </a:p>
           <a:p>
             <a:r>
-              <a:rPr lang="en-US" sz="2400" dirty="0"/>
+              <a:rPr lang="en-US" sz="2000" dirty="0"/>
               <a:t>In the list view to the click on the file you want to upload</a:t>
             </a:r>
           </a:p>
           <a:p>
             <a:r>
-              <a:rPr lang="en-US" sz="2400" dirty="0"/>
+              <a:rPr lang="en-US" sz="2000" dirty="0"/>
               <a:t>Click “Upload File To </a:t>
             </a:r>
             <a:r>
-              <a:rPr lang="en-US" sz="2400" dirty="0" err="1"/>
+              <a:rPr lang="en-US" sz="2000" dirty="0" err="1"/>
               <a:t>ScienceBase</a:t>
             </a:r>
             <a:r>
-              <a:rPr lang="en-US" sz="2400" dirty="0"/>
+              <a:rPr lang="en-US" sz="2000" dirty="0"/>
               <a:t>” button at the bottom of the </a:t>
             </a:r>
             <a:r>
-              <a:rPr lang="en-US" sz="2400" dirty="0" err="1"/>
+              <a:rPr lang="en-US" sz="2000" dirty="0" err="1"/>
               <a:t>ScienceBase</a:t>
             </a:r>
             <a:r>
-              <a:rPr lang="en-US" sz="2400" dirty="0"/>
+              <a:rPr lang="en-US" sz="2000" dirty="0"/>
               <a:t> Viewer window</a:t>
+            </a:r>
+          </a:p>
+          <a:p>
+            <a:r>
+              <a:rPr lang="en-US" sz="2000" dirty="0"/>
+              <a:t>For new files a checkbox will appear below the button</a:t>
+            </a:r>
+          </a:p>
+          <a:p>
+            <a:pPr lvl="1"/>
+            <a:r>
+              <a:rPr lang="en-US" sz="1600" dirty="0"/>
+              <a:t>Click checkbox to zip and upload file</a:t>
             </a:r>
           </a:p>
           <a:p>
@@ -7134,7 +7214,7 @@
         <a:effectLst/>
         <a:extLst>
           <a:ext uri="{AF507438-7753-43e0-B8FC-AC1667EBCBE1}">
-            <a14:hiddenEffects xmlns:a14="http://schemas.microsoft.com/office/drawing/2010/main" xmlns="">
+            <a14:hiddenEffects xmlns="" xmlns:a14="http://schemas.microsoft.com/office/drawing/2010/main">
               <a:effectLst>
                 <a:outerShdw blurRad="63500" dist="38099" dir="2700000" algn="ctr" rotWithShape="0">
                   <a:schemeClr val="bg2">
@@ -7210,7 +7290,7 @@
         <a:effectLst/>
         <a:extLst>
           <a:ext uri="{AF507438-7753-43e0-B8FC-AC1667EBCBE1}">
-            <a14:hiddenEffects xmlns:a14="http://schemas.microsoft.com/office/drawing/2010/main" xmlns="">
+            <a14:hiddenEffects xmlns="" xmlns:a14="http://schemas.microsoft.com/office/drawing/2010/main">
               <a:effectLst>
                 <a:outerShdw blurRad="63500" dist="38099" dir="2700000" algn="ctr" rotWithShape="0">
                   <a:schemeClr val="bg2">

--- a/etc/sciencebase/SBSync_Demo.pptx
+++ b/etc/sciencebase/SBSync_Demo.pptx
@@ -264,14 +264,14 @@
           <a:effectLst/>
           <a:extLst>
             <a:ext uri="{909E8E84-426E-40dd-AFC4-6F175D3DCCD1}">
-              <a14:hiddenFill xmlns="" xmlns:a14="http://schemas.microsoft.com/office/drawing/2010/main">
+              <a14:hiddenFill xmlns:a14="http://schemas.microsoft.com/office/drawing/2010/main" xmlns="">
                 <a:solidFill>
                   <a:schemeClr val="accent1"/>
                 </a:solidFill>
               </a14:hiddenFill>
             </a:ext>
             <a:ext uri="{91240B29-F687-4f45-9708-019B960494DF}">
-              <a14:hiddenLine xmlns="" xmlns:a14="http://schemas.microsoft.com/office/drawing/2010/main" w="12700">
+              <a14:hiddenLine xmlns:a14="http://schemas.microsoft.com/office/drawing/2010/main" xmlns="" w="12700">
                 <a:solidFill>
                   <a:schemeClr val="tx1"/>
                 </a:solidFill>
@@ -281,7 +281,7 @@
               </a14:hiddenLine>
             </a:ext>
             <a:ext uri="{AF507438-7753-43e0-B8FC-AC1667EBCBE1}">
-              <a14:hiddenEffects xmlns="" xmlns:a14="http://schemas.microsoft.com/office/drawing/2010/main">
+              <a14:hiddenEffects xmlns:a14="http://schemas.microsoft.com/office/drawing/2010/main" xmlns="">
                 <a:effectLst>
                   <a:outerShdw blurRad="63500" dist="38099" dir="2700000" algn="ctr" rotWithShape="0">
                     <a:schemeClr val="bg2">
@@ -292,7 +292,7 @@
               </a14:hiddenEffects>
             </a:ext>
             <a:ext uri="{FAA26D3D-D897-4be2-8F04-BA451C77F1D7}">
-              <ma14:placeholderFlag xmlns="" xmlns:ma14="http://schemas.microsoft.com/office/mac/drawingml/2011/main" val="1"/>
+              <ma14:placeholderFlag xmlns:ma14="http://schemas.microsoft.com/office/mac/drawingml/2011/main" xmlns="" val="1"/>
             </a:ext>
           </a:extLst>
         </p:spPr>
@@ -370,12 +370,12 @@
           <a:effectLst/>
           <a:extLst>
             <a:ext uri="{909E8E84-426E-40dd-AFC4-6F175D3DCCD1}">
-              <a14:hiddenFill xmlns="" xmlns:a14="http://schemas.microsoft.com/office/drawing/2010/main">
+              <a14:hiddenFill xmlns:a14="http://schemas.microsoft.com/office/drawing/2010/main" xmlns="">
                 <a:noFill/>
               </a14:hiddenFill>
             </a:ext>
             <a:ext uri="{AF507438-7753-43e0-B8FC-AC1667EBCBE1}">
-              <a14:hiddenEffects xmlns="" xmlns:a14="http://schemas.microsoft.com/office/drawing/2010/main">
+              <a14:hiddenEffects xmlns:a14="http://schemas.microsoft.com/office/drawing/2010/main" xmlns="">
                 <a:effectLst>
                   <a:outerShdw blurRad="63500" dist="38099" dir="2700000" algn="ctr" rotWithShape="0">
                     <a:srgbClr val="000000">
@@ -386,7 +386,7 @@
               </a14:hiddenEffects>
             </a:ext>
             <a:ext uri="{53640926-AAD7-44d8-BBD7-CCE9431645EC}">
-              <a14:shadowObscured xmlns="" xmlns:a14="http://schemas.microsoft.com/office/drawing/2010/main" val="1"/>
+              <a14:shadowObscured xmlns:a14="http://schemas.microsoft.com/office/drawing/2010/main" xmlns="" val="1"/>
             </a:ext>
           </a:extLst>
         </p:spPr>
@@ -771,14 +771,14 @@
           </a:ln>
           <a:extLst>
             <a:ext uri="{909E8E84-426E-40dd-AFC4-6F175D3DCCD1}">
-              <a14:hiddenFill xmlns="" xmlns:a14="http://schemas.microsoft.com/office/drawing/2010/main">
+              <a14:hiddenFill xmlns:a14="http://schemas.microsoft.com/office/drawing/2010/main" xmlns="">
                 <a:solidFill>
                   <a:srgbClr val="FFFFFF"/>
                 </a:solidFill>
               </a14:hiddenFill>
             </a:ext>
             <a:ext uri="{91240B29-F687-4f45-9708-019B960494DF}">
-              <a14:hiddenLine xmlns="" xmlns:a14="http://schemas.microsoft.com/office/drawing/2010/main" w="9525">
+              <a14:hiddenLine xmlns:a14="http://schemas.microsoft.com/office/drawing/2010/main" xmlns="" w="9525">
                 <a:solidFill>
                   <a:srgbClr val="000000"/>
                 </a:solidFill>
@@ -819,14 +819,14 @@
           <a:effectLst/>
           <a:extLst>
             <a:ext uri="{909E8E84-426E-40dd-AFC4-6F175D3DCCD1}">
-              <a14:hiddenFill xmlns="" xmlns:a14="http://schemas.microsoft.com/office/drawing/2010/main">
+              <a14:hiddenFill xmlns:a14="http://schemas.microsoft.com/office/drawing/2010/main" xmlns="">
                 <a:solidFill>
                   <a:schemeClr val="accent1"/>
                 </a:solidFill>
               </a14:hiddenFill>
             </a:ext>
             <a:ext uri="{91240B29-F687-4f45-9708-019B960494DF}">
-              <a14:hiddenLine xmlns="" xmlns:a14="http://schemas.microsoft.com/office/drawing/2010/main" w="12700">
+              <a14:hiddenLine xmlns:a14="http://schemas.microsoft.com/office/drawing/2010/main" xmlns="" w="12700">
                 <a:solidFill>
                   <a:schemeClr val="tx1"/>
                 </a:solidFill>
@@ -836,7 +836,7 @@
               </a14:hiddenLine>
             </a:ext>
             <a:ext uri="{AF507438-7753-43e0-B8FC-AC1667EBCBE1}">
-              <a14:hiddenEffects xmlns="" xmlns:a14="http://schemas.microsoft.com/office/drawing/2010/main">
+              <a14:hiddenEffects xmlns:a14="http://schemas.microsoft.com/office/drawing/2010/main" xmlns="">
                 <a:effectLst>
                   <a:outerShdw blurRad="63500" dist="38099" dir="2700000" algn="ctr" rotWithShape="0">
                     <a:schemeClr val="bg2">
@@ -2475,14 +2475,14 @@
           <a:effectLst/>
           <a:extLst>
             <a:ext uri="{909E8E84-426E-40dd-AFC4-6F175D3DCCD1}">
-              <a14:hiddenFill xmlns="" xmlns:a14="http://schemas.microsoft.com/office/drawing/2010/main">
+              <a14:hiddenFill xmlns:a14="http://schemas.microsoft.com/office/drawing/2010/main" xmlns="">
                 <a:solidFill>
                   <a:schemeClr val="accent1"/>
                 </a:solidFill>
               </a14:hiddenFill>
             </a:ext>
             <a:ext uri="{91240B29-F687-4f45-9708-019B960494DF}">
-              <a14:hiddenLine xmlns="" xmlns:a14="http://schemas.microsoft.com/office/drawing/2010/main" w="12700">
+              <a14:hiddenLine xmlns:a14="http://schemas.microsoft.com/office/drawing/2010/main" xmlns="" w="12700">
                 <a:solidFill>
                   <a:schemeClr val="tx1"/>
                 </a:solidFill>
@@ -2492,7 +2492,7 @@
               </a14:hiddenLine>
             </a:ext>
             <a:ext uri="{AF507438-7753-43e0-B8FC-AC1667EBCBE1}">
-              <a14:hiddenEffects xmlns="" xmlns:a14="http://schemas.microsoft.com/office/drawing/2010/main">
+              <a14:hiddenEffects xmlns:a14="http://schemas.microsoft.com/office/drawing/2010/main" xmlns="">
                 <a:effectLst>
                   <a:outerShdw blurRad="63500" dist="38099" dir="2700000" algn="ctr" rotWithShape="0">
                     <a:schemeClr val="bg2">
@@ -2503,7 +2503,7 @@
               </a14:hiddenEffects>
             </a:ext>
             <a:ext uri="{FAA26D3D-D897-4be2-8F04-BA451C77F1D7}">
-              <ma14:placeholderFlag xmlns="" xmlns:ma14="http://schemas.microsoft.com/office/mac/drawingml/2011/main" val="1"/>
+              <ma14:placeholderFlag xmlns:ma14="http://schemas.microsoft.com/office/mac/drawingml/2011/main" xmlns="" val="1"/>
             </a:ext>
           </a:extLst>
         </p:spPr>
@@ -2548,14 +2548,14 @@
           <a:effectLst/>
           <a:extLst>
             <a:ext uri="{909E8E84-426E-40dd-AFC4-6F175D3DCCD1}">
-              <a14:hiddenFill xmlns="" xmlns:a14="http://schemas.microsoft.com/office/drawing/2010/main">
+              <a14:hiddenFill xmlns:a14="http://schemas.microsoft.com/office/drawing/2010/main" xmlns="">
                 <a:solidFill>
                   <a:schemeClr val="accent1"/>
                 </a:solidFill>
               </a14:hiddenFill>
             </a:ext>
             <a:ext uri="{91240B29-F687-4f45-9708-019B960494DF}">
-              <a14:hiddenLine xmlns="" xmlns:a14="http://schemas.microsoft.com/office/drawing/2010/main" w="12700">
+              <a14:hiddenLine xmlns:a14="http://schemas.microsoft.com/office/drawing/2010/main" xmlns="" w="12700">
                 <a:solidFill>
                   <a:schemeClr val="tx1"/>
                 </a:solidFill>
@@ -2565,7 +2565,7 @@
               </a14:hiddenLine>
             </a:ext>
             <a:ext uri="{AF507438-7753-43e0-B8FC-AC1667EBCBE1}">
-              <a14:hiddenEffects xmlns="" xmlns:a14="http://schemas.microsoft.com/office/drawing/2010/main">
+              <a14:hiddenEffects xmlns:a14="http://schemas.microsoft.com/office/drawing/2010/main" xmlns="">
                 <a:effectLst>
                   <a:outerShdw blurRad="63500" dist="38099" dir="2700000" algn="ctr" rotWithShape="0">
                     <a:schemeClr val="bg2">
@@ -2576,7 +2576,7 @@
               </a14:hiddenEffects>
             </a:ext>
             <a:ext uri="{FAA26D3D-D897-4be2-8F04-BA451C77F1D7}">
-              <ma14:placeholderFlag xmlns="" xmlns:ma14="http://schemas.microsoft.com/office/mac/drawingml/2011/main" val="1"/>
+              <ma14:placeholderFlag xmlns:ma14="http://schemas.microsoft.com/office/mac/drawingml/2011/main" xmlns="" val="1"/>
             </a:ext>
           </a:extLst>
         </p:spPr>
@@ -2666,14 +2666,14 @@
           </a:ln>
           <a:extLst>
             <a:ext uri="{909E8E84-426E-40dd-AFC4-6F175D3DCCD1}">
-              <a14:hiddenFill xmlns="" xmlns:a14="http://schemas.microsoft.com/office/drawing/2010/main">
+              <a14:hiddenFill xmlns:a14="http://schemas.microsoft.com/office/drawing/2010/main" xmlns="">
                 <a:solidFill>
                   <a:srgbClr val="FFFFFF"/>
                 </a:solidFill>
               </a14:hiddenFill>
             </a:ext>
             <a:ext uri="{91240B29-F687-4f45-9708-019B960494DF}">
-              <a14:hiddenLine xmlns="" xmlns:a14="http://schemas.microsoft.com/office/drawing/2010/main" w="9525">
+              <a14:hiddenLine xmlns:a14="http://schemas.microsoft.com/office/drawing/2010/main" xmlns="" w="9525">
                 <a:solidFill>
                   <a:srgbClr val="000000"/>
                 </a:solidFill>
@@ -4185,14 +4185,14 @@
           <a:effectLst/>
           <a:extLst>
             <a:ext uri="{909E8E84-426E-40dd-AFC4-6F175D3DCCD1}">
-              <a14:hiddenFill xmlns="" xmlns:a14="http://schemas.microsoft.com/office/drawing/2010/main">
+              <a14:hiddenFill xmlns:a14="http://schemas.microsoft.com/office/drawing/2010/main" xmlns="">
                 <a:solidFill>
                   <a:schemeClr val="accent1"/>
                 </a:solidFill>
               </a14:hiddenFill>
             </a:ext>
             <a:ext uri="{91240B29-F687-4f45-9708-019B960494DF}">
-              <a14:hiddenLine xmlns="" xmlns:a14="http://schemas.microsoft.com/office/drawing/2010/main" w="12700">
+              <a14:hiddenLine xmlns:a14="http://schemas.microsoft.com/office/drawing/2010/main" xmlns="" w="12700">
                 <a:solidFill>
                   <a:schemeClr val="tx1"/>
                 </a:solidFill>
@@ -4202,7 +4202,7 @@
               </a14:hiddenLine>
             </a:ext>
             <a:ext uri="{AF507438-7753-43e0-B8FC-AC1667EBCBE1}">
-              <a14:hiddenEffects xmlns="" xmlns:a14="http://schemas.microsoft.com/office/drawing/2010/main">
+              <a14:hiddenEffects xmlns:a14="http://schemas.microsoft.com/office/drawing/2010/main" xmlns="">
                 <a:effectLst>
                   <a:outerShdw blurRad="63500" dist="38099" dir="2700000" algn="ctr" rotWithShape="0">
                     <a:schemeClr val="bg2">
@@ -4213,7 +4213,7 @@
               </a14:hiddenEffects>
             </a:ext>
             <a:ext uri="{FAA26D3D-D897-4be2-8F04-BA451C77F1D7}">
-              <ma14:placeholderFlag xmlns="" xmlns:ma14="http://schemas.microsoft.com/office/mac/drawingml/2011/main" val="1"/>
+              <ma14:placeholderFlag xmlns:ma14="http://schemas.microsoft.com/office/mac/drawingml/2011/main" xmlns="" val="1"/>
             </a:ext>
           </a:extLst>
         </p:spPr>
@@ -4743,14 +4743,14 @@
           <a:effectLst/>
           <a:extLst>
             <a:ext uri="{909E8E84-426E-40dd-AFC4-6F175D3DCCD1}">
-              <a14:hiddenFill xmlns="" xmlns:a14="http://schemas.microsoft.com/office/drawing/2010/main">
+              <a14:hiddenFill xmlns:a14="http://schemas.microsoft.com/office/drawing/2010/main" xmlns="">
                 <a:solidFill>
                   <a:schemeClr val="accent1"/>
                 </a:solidFill>
               </a14:hiddenFill>
             </a:ext>
             <a:ext uri="{91240B29-F687-4f45-9708-019B960494DF}">
-              <a14:hiddenLine xmlns="" xmlns:a14="http://schemas.microsoft.com/office/drawing/2010/main" w="12700">
+              <a14:hiddenLine xmlns:a14="http://schemas.microsoft.com/office/drawing/2010/main" xmlns="" w="12700">
                 <a:solidFill>
                   <a:schemeClr val="tx1"/>
                 </a:solidFill>
@@ -4760,7 +4760,7 @@
               </a14:hiddenLine>
             </a:ext>
             <a:ext uri="{AF507438-7753-43e0-B8FC-AC1667EBCBE1}">
-              <a14:hiddenEffects xmlns="" xmlns:a14="http://schemas.microsoft.com/office/drawing/2010/main">
+              <a14:hiddenEffects xmlns:a14="http://schemas.microsoft.com/office/drawing/2010/main" xmlns="">
                 <a:effectLst>
                   <a:outerShdw blurRad="63500" dist="38099" dir="2700000" algn="ctr" rotWithShape="0">
                     <a:schemeClr val="bg2">
@@ -4771,7 +4771,7 @@
               </a14:hiddenEffects>
             </a:ext>
             <a:ext uri="{FAA26D3D-D897-4be2-8F04-BA451C77F1D7}">
-              <ma14:placeholderFlag xmlns="" xmlns:ma14="http://schemas.microsoft.com/office/mac/drawingml/2011/main" val="1"/>
+              <ma14:placeholderFlag xmlns:ma14="http://schemas.microsoft.com/office/mac/drawingml/2011/main" xmlns="" val="1"/>
             </a:ext>
           </a:extLst>
         </p:spPr>
@@ -5260,14 +5260,14 @@
           <a:effectLst/>
           <a:extLst>
             <a:ext uri="{909E8E84-426E-40dd-AFC4-6F175D3DCCD1}">
-              <a14:hiddenFill xmlns="" xmlns:a14="http://schemas.microsoft.com/office/drawing/2010/main">
+              <a14:hiddenFill xmlns:a14="http://schemas.microsoft.com/office/drawing/2010/main" xmlns="">
                 <a:solidFill>
                   <a:schemeClr val="accent1"/>
                 </a:solidFill>
               </a14:hiddenFill>
             </a:ext>
             <a:ext uri="{91240B29-F687-4f45-9708-019B960494DF}">
-              <a14:hiddenLine xmlns="" xmlns:a14="http://schemas.microsoft.com/office/drawing/2010/main" w="12700">
+              <a14:hiddenLine xmlns:a14="http://schemas.microsoft.com/office/drawing/2010/main" xmlns="" w="12700">
                 <a:solidFill>
                   <a:schemeClr val="tx1"/>
                 </a:solidFill>
@@ -5277,7 +5277,7 @@
               </a14:hiddenLine>
             </a:ext>
             <a:ext uri="{AF507438-7753-43e0-B8FC-AC1667EBCBE1}">
-              <a14:hiddenEffects xmlns="" xmlns:a14="http://schemas.microsoft.com/office/drawing/2010/main">
+              <a14:hiddenEffects xmlns:a14="http://schemas.microsoft.com/office/drawing/2010/main" xmlns="">
                 <a:effectLst>
                   <a:outerShdw blurRad="63500" dist="38099" dir="2700000" algn="ctr" rotWithShape="0">
                     <a:schemeClr val="bg2">
@@ -5288,7 +5288,7 @@
               </a14:hiddenEffects>
             </a:ext>
             <a:ext uri="{FAA26D3D-D897-4be2-8F04-BA451C77F1D7}">
-              <ma14:placeholderFlag xmlns="" xmlns:ma14="http://schemas.microsoft.com/office/mac/drawingml/2011/main" val="1"/>
+              <ma14:placeholderFlag xmlns:ma14="http://schemas.microsoft.com/office/mac/drawingml/2011/main" xmlns="" val="1"/>
             </a:ext>
           </a:extLst>
         </p:spPr>
@@ -6183,22 +6183,100 @@
             <p:ph idx="1"/>
           </p:nvPr>
         </p:nvSpPr>
-        <p:spPr/>
+        <p:spPr>
+          <a:xfrm>
+            <a:off x="381000" y="1181100"/>
+            <a:ext cx="8305800" cy="4495800"/>
+          </a:xfrm>
+        </p:spPr>
         <p:txBody>
           <a:bodyPr/>
           <a:lstStyle/>
           <a:p>
             <a:r>
-              <a:rPr lang="en-US" sz="2000" dirty="0"/>
+              <a:rPr lang="en-US" sz="1800" dirty="0"/>
               <a:t>Enter </a:t>
             </a:r>
             <a:r>
-              <a:rPr lang="en-US" sz="2000" dirty="0" err="1"/>
+              <a:rPr lang="en-US" sz="1800" dirty="0" err="1"/>
               <a:t>ScienceBase</a:t>
             </a:r>
             <a:r>
-              <a:rPr lang="en-US" sz="2000" dirty="0"/>
+              <a:rPr lang="en-US" sz="1800" dirty="0"/>
               <a:t> folder ID of the root folder you want to connect to</a:t>
+            </a:r>
+          </a:p>
+          <a:p>
+            <a:pPr lvl="1"/>
+            <a:r>
+              <a:rPr lang="en-US" sz="1600" dirty="0"/>
+              <a:t>The </a:t>
+            </a:r>
+            <a:r>
+              <a:rPr lang="en-US" sz="1600" dirty="0" err="1"/>
+              <a:t>ScienceBase</a:t>
+            </a:r>
+            <a:r>
+              <a:rPr lang="en-US" sz="1600" dirty="0"/>
+              <a:t> folder ID can be found by accessing the folder you want on the </a:t>
+            </a:r>
+            <a:r>
+              <a:rPr lang="en-US" sz="1600" dirty="0" err="1"/>
+              <a:t>ScienceBase</a:t>
+            </a:r>
+            <a:r>
+              <a:rPr lang="en-US" sz="1600" dirty="0"/>
+              <a:t> website and looking at the last part of the URL</a:t>
+            </a:r>
+          </a:p>
+          <a:p>
+            <a:pPr lvl="2"/>
+            <a:r>
+              <a:rPr lang="en-US" sz="1400" dirty="0"/>
+              <a:t>For example, for </a:t>
+            </a:r>
+            <a:r>
+              <a:rPr lang="en-US" sz="1400"/>
+              <a:t>the URL</a:t>
+            </a:r>
+            <a:r>
+              <a:rPr lang="en-US" sz="1400" dirty="0"/>
+              <a:t>: </a:t>
+            </a:r>
+            <a:r>
+              <a:rPr lang="en-US" sz="1400" dirty="0">
+                <a:solidFill>
+                  <a:schemeClr val="tx1"/>
+                </a:solidFill>
+                <a:hlinkClick r:id="rId2">
+                  <a:extLst>
+                    <a:ext uri="{A12FA001-AC4F-418D-AE19-62706E023703}">
+                      <ahyp:hlinkClr xmlns:ahyp="http://schemas.microsoft.com/office/drawing/2018/hyperlinkcolor" val="tx"/>
+                    </a:ext>
+                  </a:extLst>
+                </a:hlinkClick>
+              </a:rPr>
+              <a:t>https://www.sciencebase.gov/catalog/item/5fbe75fad34e4b9faad7e8a1</a:t>
+            </a:r>
+            <a:r>
+              <a:rPr lang="en-US" sz="1400" dirty="0">
+                <a:solidFill>
+                  <a:schemeClr val="tx1"/>
+                </a:solidFill>
+              </a:rPr>
+              <a:t> </a:t>
+            </a:r>
+            <a:r>
+              <a:rPr lang="en-US" sz="1400" dirty="0"/>
+              <a:t>the </a:t>
+            </a:r>
+            <a:r>
+              <a:rPr lang="en-US" sz="1400" dirty="0" err="1"/>
+              <a:t>ScienceBase</a:t>
+            </a:r>
+            <a:r>
+              <a:rPr lang="en-US" sz="1400" dirty="0"/>
+              <a:t> folder ID is “5fbe75fad34e4b9faad7e8a1” without the quotes.</a:t>
             </a:r>
           </a:p>
           <a:p>
@@ -6210,26 +6288,26 @@
           </a:p>
           <a:p>
             <a:r>
-              <a:rPr lang="en-US" sz="2000" dirty="0"/>
+              <a:rPr lang="en-US" sz="1800" dirty="0"/>
               <a:t>Enter your username that you use to connect to </a:t>
             </a:r>
             <a:r>
-              <a:rPr lang="en-US" sz="2000" dirty="0" err="1"/>
+              <a:rPr lang="en-US" sz="1800" dirty="0" err="1"/>
               <a:t>ScienceBase</a:t>
             </a:r>
-            <a:endParaRPr lang="en-US" sz="2000" dirty="0"/>
-          </a:p>
-          <a:p>
-            <a:r>
-              <a:rPr lang="en-US" sz="2000" dirty="0"/>
+            <a:endParaRPr lang="en-US" sz="1800" dirty="0"/>
+          </a:p>
+          <a:p>
+            <a:r>
+              <a:rPr lang="en-US" sz="1800" dirty="0"/>
               <a:t>Enter the local folder path where you want to store the </a:t>
             </a:r>
             <a:r>
-              <a:rPr lang="en-US" sz="2000" dirty="0" err="1"/>
+              <a:rPr lang="en-US" sz="1800" dirty="0" err="1"/>
               <a:t>ScienceBase</a:t>
             </a:r>
             <a:r>
-              <a:rPr lang="en-US" sz="2000" dirty="0"/>
+              <a:rPr lang="en-US" sz="1800" dirty="0"/>
               <a:t> directory tree</a:t>
             </a:r>
           </a:p>
@@ -6242,27 +6320,27 @@
           </a:p>
           <a:p>
             <a:r>
-              <a:rPr lang="en-US" sz="2000" dirty="0"/>
+              <a:rPr lang="en-US" sz="1800" dirty="0"/>
               <a:t>Click “Connect”</a:t>
             </a:r>
           </a:p>
           <a:p>
             <a:r>
-              <a:rPr lang="en-US" sz="2000" dirty="0"/>
+              <a:rPr lang="en-US" sz="1800" dirty="0"/>
               <a:t>Enter your </a:t>
             </a:r>
             <a:r>
-              <a:rPr lang="en-US" sz="2000" dirty="0" err="1"/>
+              <a:rPr lang="en-US" sz="1800" dirty="0" err="1"/>
               <a:t>ScienceBase</a:t>
             </a:r>
             <a:r>
-              <a:rPr lang="en-US" sz="2000" dirty="0"/>
+              <a:rPr lang="en-US" sz="1800" dirty="0"/>
               <a:t> password when prompted</a:t>
             </a:r>
           </a:p>
           <a:p>
             <a:r>
-              <a:rPr lang="en-US" sz="2000" dirty="0"/>
+              <a:rPr lang="en-US" sz="1800" dirty="0"/>
               <a:t>Folder ID, username, and local folder path stored in _sbtv_settings.txt and automatically entered for you whenever you run sbtreeview.py from the current location</a:t>
             </a:r>
           </a:p>
@@ -7214,7 +7292,7 @@
         <a:effectLst/>
         <a:extLst>
           <a:ext uri="{AF507438-7753-43e0-B8FC-AC1667EBCBE1}">
-            <a14:hiddenEffects xmlns="" xmlns:a14="http://schemas.microsoft.com/office/drawing/2010/main">
+            <a14:hiddenEffects xmlns:a14="http://schemas.microsoft.com/office/drawing/2010/main" xmlns="">
               <a:effectLst>
                 <a:outerShdw blurRad="63500" dist="38099" dir="2700000" algn="ctr" rotWithShape="0">
                   <a:schemeClr val="bg2">
@@ -7290,7 +7368,7 @@
         <a:effectLst/>
         <a:extLst>
           <a:ext uri="{AF507438-7753-43e0-B8FC-AC1667EBCBE1}">
-            <a14:hiddenEffects xmlns="" xmlns:a14="http://schemas.microsoft.com/office/drawing/2010/main">
+            <a14:hiddenEffects xmlns:a14="http://schemas.microsoft.com/office/drawing/2010/main" xmlns="">
               <a:effectLst>
                 <a:outerShdw blurRad="63500" dist="38099" dir="2700000" algn="ctr" rotWithShape="0">
                   <a:schemeClr val="bg2">

--- a/etc/sciencebase/SBSync_Demo.pptx
+++ b/etc/sciencebase/SBSync_Demo.pptx
@@ -5,28 +5,29 @@
     <p:sldMasterId id="2147483719" r:id="rId1"/>
   </p:sldMasterIdLst>
   <p:notesMasterIdLst>
-    <p:notesMasterId r:id="rId18"/>
+    <p:notesMasterId r:id="rId19"/>
   </p:notesMasterIdLst>
   <p:handoutMasterIdLst>
-    <p:handoutMasterId r:id="rId19"/>
+    <p:handoutMasterId r:id="rId20"/>
   </p:handoutMasterIdLst>
   <p:sldIdLst>
     <p:sldId id="256" r:id="rId2"/>
     <p:sldId id="257" r:id="rId3"/>
     <p:sldId id="258" r:id="rId4"/>
     <p:sldId id="259" r:id="rId5"/>
-    <p:sldId id="261" r:id="rId6"/>
-    <p:sldId id="263" r:id="rId7"/>
-    <p:sldId id="265" r:id="rId8"/>
-    <p:sldId id="262" r:id="rId9"/>
-    <p:sldId id="264" r:id="rId10"/>
-    <p:sldId id="270" r:id="rId11"/>
-    <p:sldId id="260" r:id="rId12"/>
-    <p:sldId id="267" r:id="rId13"/>
-    <p:sldId id="266" r:id="rId14"/>
-    <p:sldId id="268" r:id="rId15"/>
-    <p:sldId id="269" r:id="rId16"/>
-    <p:sldId id="271" r:id="rId17"/>
+    <p:sldId id="274" r:id="rId6"/>
+    <p:sldId id="261" r:id="rId7"/>
+    <p:sldId id="275" r:id="rId8"/>
+    <p:sldId id="265" r:id="rId9"/>
+    <p:sldId id="276" r:id="rId10"/>
+    <p:sldId id="277" r:id="rId11"/>
+    <p:sldId id="278" r:id="rId12"/>
+    <p:sldId id="260" r:id="rId13"/>
+    <p:sldId id="267" r:id="rId14"/>
+    <p:sldId id="266" r:id="rId15"/>
+    <p:sldId id="268" r:id="rId16"/>
+    <p:sldId id="269" r:id="rId17"/>
+    <p:sldId id="271" r:id="rId18"/>
   </p:sldIdLst>
   <p:sldSz cx="9144000" cy="6858000" type="screen4x3"/>
   <p:notesSz cx="6950075" cy="9236075"/>
@@ -3240,6 +3241,426 @@
           <p:cNvPr id="2" name="Title 1">
             <a:extLst>
               <a:ext uri="{FF2B5EF4-FFF2-40B4-BE49-F238E27FC236}">
+                <a16:creationId xmlns:a16="http://schemas.microsoft.com/office/drawing/2014/main" id="{0D6D385F-A7F9-44BB-B3CD-F5C1B3B57E37}"/>
+              </a:ext>
+            </a:extLst>
+          </p:cNvPr>
+          <p:cNvSpPr>
+            <a:spLocks noGrp="1"/>
+          </p:cNvSpPr>
+          <p:nvPr>
+            <p:ph type="title"/>
+          </p:nvPr>
+        </p:nvSpPr>
+        <p:spPr>
+          <a:xfrm>
+            <a:off x="381000" y="25037"/>
+            <a:ext cx="8305800" cy="597077"/>
+          </a:xfrm>
+        </p:spPr>
+        <p:txBody>
+          <a:bodyPr/>
+          <a:lstStyle/>
+          <a:p>
+            <a:r>
+              <a:rPr lang="en-US" sz="4000" dirty="0"/>
+              <a:t>Uploading a File to </a:t>
+            </a:r>
+            <a:r>
+              <a:rPr lang="en-US" sz="4000" dirty="0" err="1"/>
+              <a:t>ScienceBase</a:t>
+            </a:r>
+            <a:endParaRPr lang="en-US" sz="4000" dirty="0"/>
+          </a:p>
+        </p:txBody>
+      </p:sp>
+      <p:sp>
+        <p:nvSpPr>
+          <p:cNvPr id="3" name="Content Placeholder 2">
+            <a:extLst>
+              <a:ext uri="{FF2B5EF4-FFF2-40B4-BE49-F238E27FC236}">
+                <a16:creationId xmlns:a16="http://schemas.microsoft.com/office/drawing/2014/main" id="{13A8C26B-D1D3-4CBE-BE17-8A20494D7804}"/>
+              </a:ext>
+            </a:extLst>
+          </p:cNvPr>
+          <p:cNvSpPr>
+            <a:spLocks noGrp="1"/>
+          </p:cNvSpPr>
+          <p:nvPr>
+            <p:ph idx="1"/>
+          </p:nvPr>
+        </p:nvSpPr>
+        <p:spPr>
+          <a:xfrm>
+            <a:off x="228600" y="685800"/>
+            <a:ext cx="3279358" cy="5105400"/>
+          </a:xfrm>
+        </p:spPr>
+        <p:txBody>
+          <a:bodyPr/>
+          <a:lstStyle/>
+          <a:p>
+            <a:r>
+              <a:rPr lang="en-US" sz="1600" dirty="0"/>
+              <a:t>Create or modify a file within the mirrored </a:t>
+            </a:r>
+            <a:r>
+              <a:rPr lang="en-US" sz="1600" dirty="0" err="1"/>
+              <a:t>ScienceBase</a:t>
+            </a:r>
+            <a:r>
+              <a:rPr lang="en-US" sz="1600" dirty="0"/>
+              <a:t> folder structure on your local machine</a:t>
+            </a:r>
+          </a:p>
+          <a:p>
+            <a:r>
+              <a:rPr lang="en-US" sz="1600" dirty="0"/>
+              <a:t>In the </a:t>
+            </a:r>
+            <a:r>
+              <a:rPr lang="en-US" sz="1600" dirty="0" err="1"/>
+              <a:t>ScienceBase</a:t>
+            </a:r>
+            <a:r>
+              <a:rPr lang="en-US" sz="1600" dirty="0"/>
+              <a:t> Viewer window upper-right corner click “Refresh”</a:t>
+            </a:r>
+          </a:p>
+          <a:p>
+            <a:r>
+              <a:rPr lang="en-US" sz="1600" dirty="0"/>
+              <a:t>In the </a:t>
+            </a:r>
+            <a:r>
+              <a:rPr lang="en-US" sz="1600" dirty="0" err="1"/>
+              <a:t>ScienceBase</a:t>
+            </a:r>
+            <a:r>
+              <a:rPr lang="en-US" sz="1600" dirty="0"/>
+              <a:t> Viewer tree view to the click on the folder containing the file you want to upload</a:t>
+            </a:r>
+          </a:p>
+          <a:p>
+            <a:r>
+              <a:rPr lang="en-US" sz="1600" dirty="0"/>
+              <a:t>In the list view to the click on the file you want to upload</a:t>
+            </a:r>
+          </a:p>
+          <a:p>
+            <a:r>
+              <a:rPr lang="en-US" sz="1600" dirty="0"/>
+              <a:t>Click “Upload File To </a:t>
+            </a:r>
+            <a:r>
+              <a:rPr lang="en-US" sz="1600" dirty="0" err="1"/>
+              <a:t>ScienceBase</a:t>
+            </a:r>
+            <a:r>
+              <a:rPr lang="en-US" sz="1600" dirty="0"/>
+              <a:t>” button at the bottom of the </a:t>
+            </a:r>
+            <a:r>
+              <a:rPr lang="en-US" sz="1600" dirty="0" err="1"/>
+              <a:t>ScienceBase</a:t>
+            </a:r>
+            <a:r>
+              <a:rPr lang="en-US" sz="1600" dirty="0"/>
+              <a:t> Viewer window</a:t>
+            </a:r>
+          </a:p>
+          <a:p>
+            <a:r>
+              <a:rPr lang="en-US" sz="1600" dirty="0"/>
+              <a:t>For new files a checkbox will appear below the button</a:t>
+            </a:r>
+          </a:p>
+          <a:p>
+            <a:pPr lvl="1"/>
+            <a:r>
+              <a:rPr lang="en-US" sz="1400" dirty="0"/>
+              <a:t>Click checkbox to zip and upload file</a:t>
+            </a:r>
+          </a:p>
+          <a:p>
+            <a:endParaRPr lang="en-US" sz="1600" dirty="0"/>
+          </a:p>
+          <a:p>
+            <a:endParaRPr lang="en-US" sz="1600" dirty="0"/>
+          </a:p>
+          <a:p>
+            <a:endParaRPr lang="en-US" sz="1600" dirty="0"/>
+          </a:p>
+          <a:p>
+            <a:endParaRPr lang="en-US" sz="1600" dirty="0"/>
+          </a:p>
+        </p:txBody>
+      </p:sp>
+      <p:pic>
+        <p:nvPicPr>
+          <p:cNvPr id="5" name="Picture 4">
+            <a:extLst>
+              <a:ext uri="{FF2B5EF4-FFF2-40B4-BE49-F238E27FC236}">
+                <a16:creationId xmlns:a16="http://schemas.microsoft.com/office/drawing/2014/main" id="{3F7E871B-0851-4EB8-8231-D72057C48247}"/>
+              </a:ext>
+            </a:extLst>
+          </p:cNvPr>
+          <p:cNvPicPr>
+            <a:picLocks noChangeAspect="1"/>
+          </p:cNvPicPr>
+          <p:nvPr/>
+        </p:nvPicPr>
+        <p:blipFill>
+          <a:blip r:embed="rId3"/>
+          <a:stretch>
+            <a:fillRect/>
+          </a:stretch>
+        </p:blipFill>
+        <p:spPr>
+          <a:xfrm>
+            <a:off x="3657600" y="1295400"/>
+            <a:ext cx="5367547" cy="4355924"/>
+          </a:xfrm>
+          <a:prstGeom prst="rect">
+            <a:avLst/>
+          </a:prstGeom>
+        </p:spPr>
+      </p:pic>
+      <p:cxnSp>
+        <p:nvCxnSpPr>
+          <p:cNvPr id="7" name="Straight Arrow Connector 6">
+            <a:extLst>
+              <a:ext uri="{FF2B5EF4-FFF2-40B4-BE49-F238E27FC236}">
+                <a16:creationId xmlns:a16="http://schemas.microsoft.com/office/drawing/2014/main" id="{E0D7E5D9-A770-40AB-88E8-5FD11E21EB7D}"/>
+              </a:ext>
+            </a:extLst>
+          </p:cNvPr>
+          <p:cNvCxnSpPr>
+            <a:cxnSpLocks/>
+          </p:cNvCxnSpPr>
+          <p:nvPr/>
+        </p:nvCxnSpPr>
+        <p:spPr bwMode="auto">
+          <a:xfrm flipV="1">
+            <a:off x="3200400" y="1752600"/>
+            <a:ext cx="5410200" cy="152400"/>
+          </a:xfrm>
+          <a:prstGeom prst="straightConnector1">
+            <a:avLst/>
+          </a:prstGeom>
+          <a:solidFill>
+            <a:schemeClr val="accent1"/>
+          </a:solidFill>
+          <a:ln w="25400" cap="flat" cmpd="sng" algn="ctr">
+            <a:solidFill>
+              <a:schemeClr val="tx1"/>
+            </a:solidFill>
+            <a:prstDash val="solid"/>
+            <a:round/>
+            <a:headEnd type="none" w="med" len="med"/>
+            <a:tailEnd type="triangle"/>
+          </a:ln>
+          <a:effectLst/>
+          <a:extLst>
+            <a:ext uri="{AF507438-7753-43e0-B8FC-AC1667EBCBE1}">
+              <a14:hiddenEffects xmlns:a14="http://schemas.microsoft.com/office/drawing/2010/main" xmlns="">
+                <a:effectLst>
+                  <a:outerShdw blurRad="63500" dist="38099" dir="2700000" algn="ctr" rotWithShape="0">
+                    <a:schemeClr val="bg2">
+                      <a:alpha val="74998"/>
+                    </a:schemeClr>
+                  </a:outerShdw>
+                </a:effectLst>
+              </a14:hiddenEffects>
+            </a:ext>
+          </a:extLst>
+        </p:spPr>
+      </p:cxnSp>
+      <p:cxnSp>
+        <p:nvCxnSpPr>
+          <p:cNvPr id="9" name="Straight Arrow Connector 8">
+            <a:extLst>
+              <a:ext uri="{FF2B5EF4-FFF2-40B4-BE49-F238E27FC236}">
+                <a16:creationId xmlns:a16="http://schemas.microsoft.com/office/drawing/2014/main" id="{04F433D8-72F6-4A3D-9196-513E38573F33}"/>
+              </a:ext>
+            </a:extLst>
+          </p:cNvPr>
+          <p:cNvCxnSpPr>
+            <a:cxnSpLocks/>
+          </p:cNvCxnSpPr>
+          <p:nvPr/>
+        </p:nvCxnSpPr>
+        <p:spPr bwMode="auto">
+          <a:xfrm>
+            <a:off x="3429000" y="3200400"/>
+            <a:ext cx="914400" cy="838200"/>
+          </a:xfrm>
+          <a:prstGeom prst="straightConnector1">
+            <a:avLst/>
+          </a:prstGeom>
+          <a:solidFill>
+            <a:schemeClr val="accent1"/>
+          </a:solidFill>
+          <a:ln w="25400" cap="flat" cmpd="sng" algn="ctr">
+            <a:solidFill>
+              <a:schemeClr val="tx1"/>
+            </a:solidFill>
+            <a:prstDash val="solid"/>
+            <a:round/>
+            <a:headEnd type="none" w="med" len="med"/>
+            <a:tailEnd type="triangle"/>
+          </a:ln>
+          <a:effectLst/>
+          <a:extLst>
+            <a:ext uri="{AF507438-7753-43e0-B8FC-AC1667EBCBE1}">
+              <a14:hiddenEffects xmlns:a14="http://schemas.microsoft.com/office/drawing/2010/main" xmlns="">
+                <a:effectLst>
+                  <a:outerShdw blurRad="63500" dist="38099" dir="2700000" algn="ctr" rotWithShape="0">
+                    <a:schemeClr val="bg2">
+                      <a:alpha val="74998"/>
+                    </a:schemeClr>
+                  </a:outerShdw>
+                </a:effectLst>
+              </a14:hiddenEffects>
+            </a:ext>
+          </a:extLst>
+        </p:spPr>
+      </p:cxnSp>
+      <p:cxnSp>
+        <p:nvCxnSpPr>
+          <p:cNvPr id="11" name="Straight Arrow Connector 10">
+            <a:extLst>
+              <a:ext uri="{FF2B5EF4-FFF2-40B4-BE49-F238E27FC236}">
+                <a16:creationId xmlns:a16="http://schemas.microsoft.com/office/drawing/2014/main" id="{C2943D25-810E-443E-9B5E-6E083EFC15C4}"/>
+              </a:ext>
+            </a:extLst>
+          </p:cNvPr>
+          <p:cNvCxnSpPr>
+            <a:cxnSpLocks/>
+          </p:cNvCxnSpPr>
+          <p:nvPr/>
+        </p:nvCxnSpPr>
+        <p:spPr bwMode="auto">
+          <a:xfrm flipV="1">
+            <a:off x="3429000" y="2286000"/>
+            <a:ext cx="1828800" cy="1371600"/>
+          </a:xfrm>
+          <a:prstGeom prst="straightConnector1">
+            <a:avLst/>
+          </a:prstGeom>
+          <a:solidFill>
+            <a:schemeClr val="accent1"/>
+          </a:solidFill>
+          <a:ln w="25400" cap="flat" cmpd="sng" algn="ctr">
+            <a:solidFill>
+              <a:schemeClr val="tx1"/>
+            </a:solidFill>
+            <a:prstDash val="solid"/>
+            <a:round/>
+            <a:headEnd type="none" w="med" len="med"/>
+            <a:tailEnd type="triangle"/>
+          </a:ln>
+          <a:effectLst/>
+          <a:extLst>
+            <a:ext uri="{AF507438-7753-43e0-B8FC-AC1667EBCBE1}">
+              <a14:hiddenEffects xmlns:a14="http://schemas.microsoft.com/office/drawing/2010/main" xmlns="">
+                <a:effectLst>
+                  <a:outerShdw blurRad="63500" dist="38099" dir="2700000" algn="ctr" rotWithShape="0">
+                    <a:schemeClr val="bg2">
+                      <a:alpha val="74998"/>
+                    </a:schemeClr>
+                  </a:outerShdw>
+                </a:effectLst>
+              </a14:hiddenEffects>
+            </a:ext>
+          </a:extLst>
+        </p:spPr>
+      </p:cxnSp>
+      <p:cxnSp>
+        <p:nvCxnSpPr>
+          <p:cNvPr id="14" name="Straight Arrow Connector 13">
+            <a:extLst>
+              <a:ext uri="{FF2B5EF4-FFF2-40B4-BE49-F238E27FC236}">
+                <a16:creationId xmlns:a16="http://schemas.microsoft.com/office/drawing/2014/main" id="{2157D1AC-1F9B-4277-AB45-70EE63370983}"/>
+              </a:ext>
+            </a:extLst>
+          </p:cNvPr>
+          <p:cNvCxnSpPr>
+            <a:cxnSpLocks/>
+          </p:cNvCxnSpPr>
+          <p:nvPr/>
+        </p:nvCxnSpPr>
+        <p:spPr bwMode="auto">
+          <a:xfrm>
+            <a:off x="3276600" y="4495800"/>
+            <a:ext cx="1295400" cy="1066800"/>
+          </a:xfrm>
+          <a:prstGeom prst="straightConnector1">
+            <a:avLst/>
+          </a:prstGeom>
+          <a:solidFill>
+            <a:schemeClr val="accent1"/>
+          </a:solidFill>
+          <a:ln w="25400" cap="flat" cmpd="sng" algn="ctr">
+            <a:solidFill>
+              <a:schemeClr val="tx1"/>
+            </a:solidFill>
+            <a:prstDash val="solid"/>
+            <a:round/>
+            <a:headEnd type="none" w="med" len="med"/>
+            <a:tailEnd type="triangle"/>
+          </a:ln>
+          <a:effectLst/>
+          <a:extLst>
+            <a:ext uri="{AF507438-7753-43e0-B8FC-AC1667EBCBE1}">
+              <a14:hiddenEffects xmlns:a14="http://schemas.microsoft.com/office/drawing/2010/main" xmlns="">
+                <a:effectLst>
+                  <a:outerShdw blurRad="63500" dist="38099" dir="2700000" algn="ctr" rotWithShape="0">
+                    <a:schemeClr val="bg2">
+                      <a:alpha val="74998"/>
+                    </a:schemeClr>
+                  </a:outerShdw>
+                </a:effectLst>
+              </a14:hiddenEffects>
+            </a:ext>
+          </a:extLst>
+        </p:spPr>
+      </p:cxnSp>
+    </p:spTree>
+    <p:extLst>
+      <p:ext uri="{BB962C8B-B14F-4D97-AF65-F5344CB8AC3E}">
+        <p14:creationId xmlns:p14="http://schemas.microsoft.com/office/powerpoint/2010/main" val="3277153791"/>
+      </p:ext>
+    </p:extLst>
+  </p:cSld>
+  <p:clrMapOvr>
+    <a:masterClrMapping/>
+  </p:clrMapOvr>
+</p:sld>
+</file>
+
+<file path=ppt/slides/slide11.xml><?xml version="1.0" encoding="utf-8"?>
+<p:sld xmlns:a="http://schemas.openxmlformats.org/drawingml/2006/main" xmlns:r="http://schemas.openxmlformats.org/officeDocument/2006/relationships" xmlns:p="http://schemas.openxmlformats.org/presentationml/2006/main">
+  <p:cSld>
+    <p:spTree>
+      <p:nvGrpSpPr>
+        <p:cNvPr id="1" name=""/>
+        <p:cNvGrpSpPr/>
+        <p:nvPr/>
+      </p:nvGrpSpPr>
+      <p:grpSpPr>
+        <a:xfrm>
+          <a:off x="0" y="0"/>
+          <a:ext cx="0" cy="0"/>
+          <a:chOff x="0" y="0"/>
+          <a:chExt cx="0" cy="0"/>
+        </a:xfrm>
+      </p:grpSpPr>
+      <p:sp>
+        <p:nvSpPr>
+          <p:cNvPr id="2" name="Title 1">
+            <a:extLst>
+              <a:ext uri="{FF2B5EF4-FFF2-40B4-BE49-F238E27FC236}">
                 <a16:creationId xmlns:a16="http://schemas.microsoft.com/office/drawing/2014/main" id="{8B3EB40E-84BB-4F78-82FC-E24CD2B55DBA}"/>
               </a:ext>
             </a:extLst>
@@ -3251,7 +3672,12 @@
             <p:ph type="title"/>
           </p:nvPr>
         </p:nvSpPr>
-        <p:spPr/>
+        <p:spPr>
+          <a:xfrm>
+            <a:off x="381000" y="152400"/>
+            <a:ext cx="8305800" cy="457200"/>
+          </a:xfrm>
+        </p:spPr>
         <p:txBody>
           <a:bodyPr/>
           <a:lstStyle/>
@@ -3279,49 +3705,25 @@
             <p:ph idx="1"/>
           </p:nvPr>
         </p:nvSpPr>
-        <p:spPr/>
+        <p:spPr>
+          <a:xfrm>
+            <a:off x="228600" y="685800"/>
+            <a:ext cx="3200400" cy="5562600"/>
+          </a:xfrm>
+        </p:spPr>
         <p:txBody>
           <a:bodyPr/>
           <a:lstStyle/>
           <a:p>
             <a:r>
-              <a:rPr lang="en-US" sz="2000" dirty="0"/>
+              <a:rPr lang="en-US" sz="1600" dirty="0"/>
               <a:t>Click on the folder to upload/download files from</a:t>
             </a:r>
           </a:p>
           <a:p>
             <a:r>
-              <a:rPr lang="en-US" sz="2000" dirty="0"/>
+              <a:rPr lang="en-US" sz="1600" dirty="0"/>
               <a:t>Button “Download </a:t>
-            </a:r>
-            <a:r>
-              <a:rPr lang="en-US" sz="2000" dirty="0" err="1"/>
-              <a:t>ScienceBase</a:t>
-            </a:r>
-            <a:r>
-              <a:rPr lang="en-US" sz="2000" dirty="0"/>
-              <a:t> Folder Contents to Local Machine” appears if:</a:t>
-            </a:r>
-          </a:p>
-          <a:p>
-            <a:pPr lvl="1"/>
-            <a:r>
-              <a:rPr lang="en-US" sz="1600" dirty="0"/>
-              <a:t>No files in the folder require a merge</a:t>
-            </a:r>
-          </a:p>
-          <a:p>
-            <a:pPr lvl="1"/>
-            <a:r>
-              <a:rPr lang="en-US" sz="1600" dirty="0"/>
-              <a:t>No files in the folder have been modified locally</a:t>
-            </a:r>
-          </a:p>
-          <a:p>
-            <a:pPr lvl="1"/>
-            <a:r>
-              <a:rPr lang="en-US" sz="1600" dirty="0"/>
-              <a:t>One or more files on </a:t>
             </a:r>
             <a:r>
               <a:rPr lang="en-US" sz="1600" dirty="0" err="1"/>
@@ -3329,35 +3731,42 @@
             </a:r>
             <a:r>
               <a:rPr lang="en-US" sz="1600" dirty="0"/>
+              <a:t> Folder Contents to Local Machine” appears if:</a:t>
+            </a:r>
+          </a:p>
+          <a:p>
+            <a:pPr lvl="1"/>
+            <a:r>
+              <a:rPr lang="en-US" sz="1200" dirty="0"/>
+              <a:t>No files in the folder require a merge</a:t>
+            </a:r>
+          </a:p>
+          <a:p>
+            <a:pPr lvl="1"/>
+            <a:r>
+              <a:rPr lang="en-US" sz="1200" dirty="0"/>
+              <a:t>No files in the folder have been modified locally</a:t>
+            </a:r>
+          </a:p>
+          <a:p>
+            <a:pPr lvl="1"/>
+            <a:r>
+              <a:rPr lang="en-US" sz="1200" dirty="0"/>
+              <a:t>One or more files on </a:t>
+            </a:r>
+            <a:r>
+              <a:rPr lang="en-US" sz="1200" dirty="0" err="1"/>
+              <a:t>ScienceBase</a:t>
+            </a:r>
+            <a:r>
+              <a:rPr lang="en-US" sz="1200" dirty="0"/>
               <a:t> either does not exist or are out of date locally</a:t>
             </a:r>
           </a:p>
           <a:p>
             <a:r>
-              <a:rPr lang="en-US" sz="2000" dirty="0"/>
+              <a:rPr lang="en-US" sz="1600" dirty="0"/>
               <a:t>Button “Upload Local Folder Contents to </a:t>
-            </a:r>
-            <a:r>
-              <a:rPr lang="en-US" sz="2000" dirty="0" err="1"/>
-              <a:t>ScienceBase</a:t>
-            </a:r>
-            <a:r>
-              <a:rPr lang="en-US" sz="2000" dirty="0"/>
-              <a:t>” appears if:</a:t>
-            </a:r>
-          </a:p>
-          <a:p>
-            <a:pPr lvl="1"/>
-            <a:r>
-              <a:rPr lang="en-US" sz="1600" dirty="0"/>
-              <a:t>No file in the folder require a merge</a:t>
-            </a:r>
-          </a:p>
-          <a:p>
-            <a:pPr lvl="1"/>
-            <a:r>
-              <a:rPr lang="en-US" sz="1600" dirty="0"/>
-              <a:t>No files in the folder have been modified on </a:t>
             </a:r>
             <a:r>
               <a:rPr lang="en-US" sz="1600" dirty="0" err="1"/>
@@ -3365,30 +3774,182 @@
             </a:r>
             <a:r>
               <a:rPr lang="en-US" sz="1600" dirty="0"/>
+              <a:t>” appears if:</a:t>
+            </a:r>
+          </a:p>
+          <a:p>
+            <a:pPr lvl="1"/>
+            <a:r>
+              <a:rPr lang="en-US" sz="1200" dirty="0"/>
+              <a:t>No file in the folder require a merge</a:t>
+            </a:r>
+          </a:p>
+          <a:p>
+            <a:pPr lvl="1"/>
+            <a:r>
+              <a:rPr lang="en-US" sz="1200" dirty="0"/>
+              <a:t>No files in the folder have been modified on </a:t>
+            </a:r>
+            <a:r>
+              <a:rPr lang="en-US" sz="1200" dirty="0" err="1"/>
+              <a:t>ScienceBase</a:t>
+            </a:r>
+            <a:r>
+              <a:rPr lang="en-US" sz="1200" dirty="0"/>
               <a:t> since you last synchronized the file</a:t>
             </a:r>
           </a:p>
           <a:p>
             <a:pPr lvl="1"/>
             <a:r>
-              <a:rPr lang="en-US" sz="1600" dirty="0"/>
+              <a:rPr lang="en-US" sz="1200" dirty="0"/>
               <a:t>One or more files locally either do not exist or are out of date on </a:t>
             </a:r>
             <a:r>
-              <a:rPr lang="en-US" sz="1600" dirty="0" err="1"/>
+              <a:rPr lang="en-US" sz="1200" dirty="0" err="1"/>
               <a:t>ScienceBase</a:t>
             </a:r>
+            <a:endParaRPr lang="en-US" sz="1200" dirty="0"/>
+          </a:p>
+          <a:p>
             <a:endParaRPr lang="en-US" sz="1600" dirty="0"/>
-          </a:p>
-          <a:p>
-            <a:endParaRPr lang="en-US" dirty="0"/>
           </a:p>
         </p:txBody>
       </p:sp>
+      <p:pic>
+        <p:nvPicPr>
+          <p:cNvPr id="4" name="Picture 3">
+            <a:extLst>
+              <a:ext uri="{FF2B5EF4-FFF2-40B4-BE49-F238E27FC236}">
+                <a16:creationId xmlns:a16="http://schemas.microsoft.com/office/drawing/2014/main" id="{6F2D2D6D-BF5F-44DF-B10F-7CF7B359B8B0}"/>
+              </a:ext>
+            </a:extLst>
+          </p:cNvPr>
+          <p:cNvPicPr>
+            <a:picLocks noChangeAspect="1"/>
+          </p:cNvPicPr>
+          <p:nvPr/>
+        </p:nvPicPr>
+        <p:blipFill>
+          <a:blip r:embed="rId2"/>
+          <a:stretch>
+            <a:fillRect/>
+          </a:stretch>
+        </p:blipFill>
+        <p:spPr>
+          <a:xfrm>
+            <a:off x="3505200" y="1217792"/>
+            <a:ext cx="5538651" cy="4498615"/>
+          </a:xfrm>
+          <a:prstGeom prst="rect">
+            <a:avLst/>
+          </a:prstGeom>
+        </p:spPr>
+      </p:pic>
+      <p:cxnSp>
+        <p:nvCxnSpPr>
+          <p:cNvPr id="6" name="Straight Arrow Connector 5">
+            <a:extLst>
+              <a:ext uri="{FF2B5EF4-FFF2-40B4-BE49-F238E27FC236}">
+                <a16:creationId xmlns:a16="http://schemas.microsoft.com/office/drawing/2014/main" id="{B6182F99-4962-4FAA-A106-126D8779C193}"/>
+              </a:ext>
+            </a:extLst>
+          </p:cNvPr>
+          <p:cNvCxnSpPr>
+            <a:cxnSpLocks/>
+          </p:cNvCxnSpPr>
+          <p:nvPr/>
+        </p:nvCxnSpPr>
+        <p:spPr bwMode="auto">
+          <a:xfrm>
+            <a:off x="3276600" y="1141593"/>
+            <a:ext cx="1066800" cy="3201807"/>
+          </a:xfrm>
+          <a:prstGeom prst="straightConnector1">
+            <a:avLst/>
+          </a:prstGeom>
+          <a:solidFill>
+            <a:schemeClr val="accent1"/>
+          </a:solidFill>
+          <a:ln w="25400" cap="flat" cmpd="sng" algn="ctr">
+            <a:solidFill>
+              <a:schemeClr val="tx1"/>
+            </a:solidFill>
+            <a:prstDash val="solid"/>
+            <a:round/>
+            <a:headEnd type="none" w="med" len="med"/>
+            <a:tailEnd type="triangle"/>
+          </a:ln>
+          <a:effectLst/>
+          <a:extLst>
+            <a:ext uri="{AF507438-7753-43e0-B8FC-AC1667EBCBE1}">
+              <a14:hiddenEffects xmlns:a14="http://schemas.microsoft.com/office/drawing/2010/main" xmlns="">
+                <a:effectLst>
+                  <a:outerShdw blurRad="63500" dist="38099" dir="2700000" algn="ctr" rotWithShape="0">
+                    <a:schemeClr val="bg2">
+                      <a:alpha val="74998"/>
+                    </a:schemeClr>
+                  </a:outerShdw>
+                </a:effectLst>
+              </a14:hiddenEffects>
+            </a:ext>
+          </a:extLst>
+        </p:spPr>
+      </p:cxnSp>
+      <p:cxnSp>
+        <p:nvCxnSpPr>
+          <p:cNvPr id="8" name="Straight Arrow Connector 7">
+            <a:extLst>
+              <a:ext uri="{FF2B5EF4-FFF2-40B4-BE49-F238E27FC236}">
+                <a16:creationId xmlns:a16="http://schemas.microsoft.com/office/drawing/2014/main" id="{F4CD9442-19D1-492E-B545-AA0CBECB1E62}"/>
+              </a:ext>
+            </a:extLst>
+          </p:cNvPr>
+          <p:cNvCxnSpPr>
+            <a:cxnSpLocks/>
+          </p:cNvCxnSpPr>
+          <p:nvPr/>
+        </p:nvCxnSpPr>
+        <p:spPr bwMode="auto">
+          <a:xfrm>
+            <a:off x="3200400" y="1981200"/>
+            <a:ext cx="1066800" cy="3581400"/>
+          </a:xfrm>
+          <a:prstGeom prst="straightConnector1">
+            <a:avLst/>
+          </a:prstGeom>
+          <a:solidFill>
+            <a:schemeClr val="accent1"/>
+          </a:solidFill>
+          <a:ln w="25400" cap="flat" cmpd="sng" algn="ctr">
+            <a:solidFill>
+              <a:schemeClr val="tx1"/>
+            </a:solidFill>
+            <a:prstDash val="solid"/>
+            <a:round/>
+            <a:headEnd type="none" w="med" len="med"/>
+            <a:tailEnd type="triangle"/>
+          </a:ln>
+          <a:effectLst/>
+          <a:extLst>
+            <a:ext uri="{AF507438-7753-43e0-B8FC-AC1667EBCBE1}">
+              <a14:hiddenEffects xmlns:a14="http://schemas.microsoft.com/office/drawing/2010/main" xmlns="">
+                <a:effectLst>
+                  <a:outerShdw blurRad="63500" dist="38099" dir="2700000" algn="ctr" rotWithShape="0">
+                    <a:schemeClr val="bg2">
+                      <a:alpha val="74998"/>
+                    </a:schemeClr>
+                  </a:outerShdw>
+                </a:effectLst>
+              </a14:hiddenEffects>
+            </a:ext>
+          </a:extLst>
+        </p:spPr>
+      </p:cxnSp>
     </p:spTree>
     <p:extLst>
       <p:ext uri="{BB962C8B-B14F-4D97-AF65-F5344CB8AC3E}">
-        <p14:creationId xmlns:p14="http://schemas.microsoft.com/office/powerpoint/2010/main" val="877518816"/>
+        <p14:creationId xmlns:p14="http://schemas.microsoft.com/office/powerpoint/2010/main" val="2554104170"/>
       </p:ext>
     </p:extLst>
   </p:cSld>
@@ -3398,7 +3959,7 @@
 </p:sld>
 </file>
 
-<file path=ppt/slides/slide11.xml><?xml version="1.0" encoding="utf-8"?>
+<file path=ppt/slides/slide12.xml><?xml version="1.0" encoding="utf-8"?>
 <p:sld xmlns:a="http://schemas.openxmlformats.org/drawingml/2006/main" xmlns:r="http://schemas.openxmlformats.org/officeDocument/2006/relationships" xmlns:p="http://schemas.openxmlformats.org/presentationml/2006/main">
   <p:cSld>
     <p:spTree>
@@ -3578,7 +4139,7 @@
 </p:sld>
 </file>
 
-<file path=ppt/slides/slide12.xml><?xml version="1.0" encoding="utf-8"?>
+<file path=ppt/slides/slide13.xml><?xml version="1.0" encoding="utf-8"?>
 <p:sld xmlns:a="http://schemas.openxmlformats.org/drawingml/2006/main" xmlns:r="http://schemas.openxmlformats.org/officeDocument/2006/relationships" xmlns:p="http://schemas.openxmlformats.org/presentationml/2006/main">
   <p:cSld>
     <p:spTree>
@@ -3795,7 +4356,7 @@
 </p:sld>
 </file>
 
-<file path=ppt/slides/slide13.xml><?xml version="1.0" encoding="utf-8"?>
+<file path=ppt/slides/slide14.xml><?xml version="1.0" encoding="utf-8"?>
 <p:sld xmlns:a="http://schemas.openxmlformats.org/drawingml/2006/main" xmlns:r="http://schemas.openxmlformats.org/officeDocument/2006/relationships" xmlns:p="http://schemas.openxmlformats.org/presentationml/2006/main">
   <p:cSld>
     <p:spTree>
@@ -4434,7 +4995,7 @@
 </p:sld>
 </file>
 
-<file path=ppt/slides/slide14.xml><?xml version="1.0" encoding="utf-8"?>
+<file path=ppt/slides/slide15.xml><?xml version="1.0" encoding="utf-8"?>
 <p:sld xmlns:a="http://schemas.openxmlformats.org/drawingml/2006/main" xmlns:r="http://schemas.openxmlformats.org/officeDocument/2006/relationships" xmlns:p="http://schemas.openxmlformats.org/presentationml/2006/main">
   <p:cSld>
     <p:spTree>
@@ -4992,7 +5553,7 @@
 </p:sld>
 </file>
 
-<file path=ppt/slides/slide15.xml><?xml version="1.0" encoding="utf-8"?>
+<file path=ppt/slides/slide16.xml><?xml version="1.0" encoding="utf-8"?>
 <p:sld xmlns:a="http://schemas.openxmlformats.org/drawingml/2006/main" xmlns:r="http://schemas.openxmlformats.org/officeDocument/2006/relationships" xmlns:p="http://schemas.openxmlformats.org/presentationml/2006/main">
   <p:cSld>
     <p:spTree>
@@ -5509,7 +6070,7 @@
 </p:sld>
 </file>
 
-<file path=ppt/slides/slide16.xml><?xml version="1.0" encoding="utf-8"?>
+<file path=ppt/slides/slide17.xml><?xml version="1.0" encoding="utf-8"?>
 <p:sld xmlns:a="http://schemas.openxmlformats.org/drawingml/2006/main" xmlns:r="http://schemas.openxmlformats.org/officeDocument/2006/relationships" xmlns:p="http://schemas.openxmlformats.org/presentationml/2006/main">
   <p:cSld>
     <p:spTree>
@@ -5700,7 +6261,12 @@
             <p:ph type="title"/>
           </p:nvPr>
         </p:nvSpPr>
-        <p:spPr/>
+        <p:spPr>
+          <a:xfrm>
+            <a:off x="381000" y="152400"/>
+            <a:ext cx="8305800" cy="533400"/>
+          </a:xfrm>
+        </p:spPr>
         <p:txBody>
           <a:bodyPr/>
           <a:lstStyle/>
@@ -5730,8 +6296,8 @@
         </p:nvSpPr>
         <p:spPr>
           <a:xfrm>
-            <a:off x="381000" y="1295400"/>
-            <a:ext cx="8305800" cy="4495800"/>
+            <a:off x="138500" y="838200"/>
+            <a:ext cx="8305800" cy="914400"/>
           </a:xfrm>
         </p:spPr>
         <p:txBody>
@@ -5739,75 +6305,357 @@
           <a:lstStyle/>
           <a:p>
             <a:r>
-              <a:rPr lang="en-US" sz="2400" dirty="0"/>
+              <a:rPr lang="en-US" sz="1800" dirty="0"/>
               <a:t>sbsync.py</a:t>
             </a:r>
           </a:p>
           <a:p>
             <a:pPr lvl="1"/>
             <a:r>
-              <a:rPr lang="en-US" sz="2250" dirty="0"/>
+              <a:rPr lang="en-US" sz="1800" dirty="0"/>
               <a:t>Encapsulates and extends </a:t>
             </a:r>
             <a:r>
-              <a:rPr lang="en-US" sz="2250" dirty="0" err="1"/>
+              <a:rPr lang="en-US" sz="1800" dirty="0" err="1"/>
               <a:t>ScienceBasePy</a:t>
             </a:r>
             <a:r>
-              <a:rPr lang="en-US" sz="2250" dirty="0"/>
+              <a:rPr lang="en-US" sz="1800" dirty="0"/>
               <a:t> library</a:t>
             </a:r>
           </a:p>
-          <a:p>
-            <a:r>
-              <a:rPr lang="en-US" sz="2550" dirty="0"/>
+        </p:txBody>
+      </p:sp>
+      <p:pic>
+        <p:nvPicPr>
+          <p:cNvPr id="4" name="Picture 3">
+            <a:extLst>
+              <a:ext uri="{FF2B5EF4-FFF2-40B4-BE49-F238E27FC236}">
+                <a16:creationId xmlns:a16="http://schemas.microsoft.com/office/drawing/2014/main" id="{5FB5529E-8678-4161-AA50-D50BFC256590}"/>
+              </a:ext>
+            </a:extLst>
+          </p:cNvPr>
+          <p:cNvPicPr>
+            <a:picLocks noChangeAspect="1"/>
+          </p:cNvPicPr>
+          <p:nvPr/>
+        </p:nvPicPr>
+        <p:blipFill>
+          <a:blip r:embed="rId3"/>
+          <a:stretch>
+            <a:fillRect/>
+          </a:stretch>
+        </p:blipFill>
+        <p:spPr>
+          <a:xfrm>
+            <a:off x="3054531" y="1600200"/>
+            <a:ext cx="5950969" cy="4825647"/>
+          </a:xfrm>
+          <a:prstGeom prst="rect">
+            <a:avLst/>
+          </a:prstGeom>
+        </p:spPr>
+      </p:pic>
+      <p:sp>
+        <p:nvSpPr>
+          <p:cNvPr id="5" name="Content Placeholder 2">
+            <a:extLst>
+              <a:ext uri="{FF2B5EF4-FFF2-40B4-BE49-F238E27FC236}">
+                <a16:creationId xmlns:a16="http://schemas.microsoft.com/office/drawing/2014/main" id="{64928464-FED4-4BF1-90DC-0A0DC5A7F183}"/>
+              </a:ext>
+            </a:extLst>
+          </p:cNvPr>
+          <p:cNvSpPr txBox="1">
+            <a:spLocks/>
+          </p:cNvSpPr>
+          <p:nvPr/>
+        </p:nvSpPr>
+        <p:spPr bwMode="auto">
+          <a:xfrm>
+            <a:off x="138500" y="1524000"/>
+            <a:ext cx="2902969" cy="4495800"/>
+          </a:xfrm>
+          <a:prstGeom prst="rect">
+            <a:avLst/>
+          </a:prstGeom>
+          <a:noFill/>
+          <a:ln>
+            <a:noFill/>
+          </a:ln>
+          <a:effectLst/>
+          <a:extLst>
+            <a:ext uri="{909E8E84-426E-40dd-AFC4-6F175D3DCCD1}">
+              <a14:hiddenFill xmlns:a14="http://schemas.microsoft.com/office/drawing/2010/main" xmlns="">
+                <a:solidFill>
+                  <a:schemeClr val="accent1"/>
+                </a:solidFill>
+              </a14:hiddenFill>
+            </a:ext>
+            <a:ext uri="{91240B29-F687-4f45-9708-019B960494DF}">
+              <a14:hiddenLine xmlns:a14="http://schemas.microsoft.com/office/drawing/2010/main" xmlns="" w="12700">
+                <a:solidFill>
+                  <a:schemeClr val="tx1"/>
+                </a:solidFill>
+                <a:miter lim="800000"/>
+                <a:headEnd/>
+                <a:tailEnd/>
+              </a14:hiddenLine>
+            </a:ext>
+            <a:ext uri="{AF507438-7753-43e0-B8FC-AC1667EBCBE1}">
+              <a14:hiddenEffects xmlns:a14="http://schemas.microsoft.com/office/drawing/2010/main" xmlns="">
+                <a:effectLst>
+                  <a:outerShdw blurRad="63500" dist="38099" dir="2700000" algn="ctr" rotWithShape="0">
+                    <a:schemeClr val="bg2">
+                      <a:alpha val="74998"/>
+                    </a:schemeClr>
+                  </a:outerShdw>
+                </a:effectLst>
+              </a14:hiddenEffects>
+            </a:ext>
+            <a:ext uri="{FAA26D3D-D897-4be2-8F04-BA451C77F1D7}">
+              <ma14:placeholderFlag xmlns:ma14="http://schemas.microsoft.com/office/mac/drawingml/2011/main" xmlns="" val="1"/>
+            </a:ext>
+          </a:extLst>
+        </p:spPr>
+        <p:txBody>
+          <a:bodyPr vert="horz" wrap="square" lIns="90488" tIns="44450" rIns="90488" bIns="44450" numCol="1" anchor="t" anchorCtr="0" compatLnSpc="1">
+            <a:prstTxWarp prst="textNoShape">
+              <a:avLst/>
+            </a:prstTxWarp>
+          </a:bodyPr>
+          <a:lstStyle>
+            <a:lvl1pPr marL="257175" indent="-257175" algn="l" rtl="0" eaLnBrk="1" fontAlgn="base" hangingPunct="1">
+              <a:spcBef>
+                <a:spcPct val="20000"/>
+              </a:spcBef>
+              <a:spcAft>
+                <a:spcPct val="0"/>
+              </a:spcAft>
+              <a:buClr>
+                <a:srgbClr val="FFFF99"/>
+              </a:buClr>
+              <a:buSzPct val="150000"/>
+              <a:buChar char="·"/>
+              <a:defRPr sz="1500" b="1">
+                <a:solidFill>
+                  <a:schemeClr val="bg1"/>
+                </a:solidFill>
+                <a:latin typeface="+mn-lt"/>
+                <a:ea typeface="+mn-ea"/>
+                <a:cs typeface="+mn-cs"/>
+              </a:defRPr>
+            </a:lvl1pPr>
+            <a:lvl2pPr marL="557213" indent="-214313" algn="l" rtl="0" eaLnBrk="1" fontAlgn="base" hangingPunct="1">
+              <a:spcBef>
+                <a:spcPct val="20000"/>
+              </a:spcBef>
+              <a:spcAft>
+                <a:spcPct val="0"/>
+              </a:spcAft>
+              <a:buClr>
+                <a:srgbClr val="FFFF99"/>
+              </a:buClr>
+              <a:buSzPct val="150000"/>
+              <a:buChar char="·"/>
+              <a:defRPr sz="1350" b="1">
+                <a:solidFill>
+                  <a:schemeClr val="bg1"/>
+                </a:solidFill>
+                <a:latin typeface="+mn-lt"/>
+                <a:ea typeface="+mn-ea"/>
+              </a:defRPr>
+            </a:lvl2pPr>
+            <a:lvl3pPr marL="857250" indent="-171450" algn="l" rtl="0" eaLnBrk="1" fontAlgn="base" hangingPunct="1">
+              <a:spcBef>
+                <a:spcPct val="20000"/>
+              </a:spcBef>
+              <a:spcAft>
+                <a:spcPct val="0"/>
+              </a:spcAft>
+              <a:buClr>
+                <a:srgbClr val="FFFF99"/>
+              </a:buClr>
+              <a:buSzPct val="150000"/>
+              <a:buChar char="·"/>
+              <a:defRPr sz="1200" b="1" i="1">
+                <a:solidFill>
+                  <a:schemeClr val="bg1"/>
+                </a:solidFill>
+                <a:latin typeface="+mn-lt"/>
+                <a:ea typeface="+mn-ea"/>
+              </a:defRPr>
+            </a:lvl3pPr>
+            <a:lvl4pPr marL="1200150" indent="-171450" algn="l" rtl="0" eaLnBrk="1" fontAlgn="base" hangingPunct="1">
+              <a:spcBef>
+                <a:spcPct val="20000"/>
+              </a:spcBef>
+              <a:spcAft>
+                <a:spcPct val="0"/>
+              </a:spcAft>
+              <a:buClr>
+                <a:srgbClr val="FFFF99"/>
+              </a:buClr>
+              <a:buSzPct val="150000"/>
+              <a:buChar char="·"/>
+              <a:defRPr sz="1050" b="1">
+                <a:solidFill>
+                  <a:srgbClr val="FFFF99"/>
+                </a:solidFill>
+                <a:latin typeface="+mn-lt"/>
+                <a:ea typeface="+mn-ea"/>
+              </a:defRPr>
+            </a:lvl4pPr>
+            <a:lvl5pPr marL="1543050" indent="-171450" algn="l" rtl="0" eaLnBrk="1" fontAlgn="base" hangingPunct="1">
+              <a:spcBef>
+                <a:spcPct val="20000"/>
+              </a:spcBef>
+              <a:spcAft>
+                <a:spcPct val="0"/>
+              </a:spcAft>
+              <a:buClr>
+                <a:srgbClr val="FFFF99"/>
+              </a:buClr>
+              <a:buSzPct val="150000"/>
+              <a:buChar char="·"/>
+              <a:defRPr sz="900" b="1" i="1">
+                <a:solidFill>
+                  <a:schemeClr val="bg1"/>
+                </a:solidFill>
+                <a:latin typeface="+mn-lt"/>
+                <a:ea typeface="+mn-ea"/>
+              </a:defRPr>
+            </a:lvl5pPr>
+            <a:lvl6pPr marL="1885950" indent="-171450" algn="l" rtl="0" eaLnBrk="1" fontAlgn="base" hangingPunct="1">
+              <a:spcBef>
+                <a:spcPct val="20000"/>
+              </a:spcBef>
+              <a:spcAft>
+                <a:spcPct val="0"/>
+              </a:spcAft>
+              <a:buClr>
+                <a:srgbClr val="FFFF99"/>
+              </a:buClr>
+              <a:buSzPct val="150000"/>
+              <a:buChar char="·"/>
+              <a:defRPr b="1">
+                <a:solidFill>
+                  <a:schemeClr val="bg1"/>
+                </a:solidFill>
+                <a:latin typeface="+mn-lt"/>
+                <a:ea typeface="+mn-ea"/>
+              </a:defRPr>
+            </a:lvl6pPr>
+            <a:lvl7pPr marL="2228850" indent="-171450" algn="l" rtl="0" eaLnBrk="1" fontAlgn="base" hangingPunct="1">
+              <a:spcBef>
+                <a:spcPct val="20000"/>
+              </a:spcBef>
+              <a:spcAft>
+                <a:spcPct val="0"/>
+              </a:spcAft>
+              <a:buClr>
+                <a:srgbClr val="FFFF99"/>
+              </a:buClr>
+              <a:buSzPct val="150000"/>
+              <a:buChar char="·"/>
+              <a:defRPr b="1">
+                <a:solidFill>
+                  <a:schemeClr val="bg1"/>
+                </a:solidFill>
+                <a:latin typeface="+mn-lt"/>
+                <a:ea typeface="+mn-ea"/>
+              </a:defRPr>
+            </a:lvl7pPr>
+            <a:lvl8pPr marL="2571750" indent="-171450" algn="l" rtl="0" eaLnBrk="1" fontAlgn="base" hangingPunct="1">
+              <a:spcBef>
+                <a:spcPct val="20000"/>
+              </a:spcBef>
+              <a:spcAft>
+                <a:spcPct val="0"/>
+              </a:spcAft>
+              <a:buClr>
+                <a:srgbClr val="FFFF99"/>
+              </a:buClr>
+              <a:buSzPct val="150000"/>
+              <a:buChar char="·"/>
+              <a:defRPr b="1">
+                <a:solidFill>
+                  <a:schemeClr val="bg1"/>
+                </a:solidFill>
+                <a:latin typeface="+mn-lt"/>
+                <a:ea typeface="+mn-ea"/>
+              </a:defRPr>
+            </a:lvl8pPr>
+            <a:lvl9pPr marL="2914650" indent="-171450" algn="l" rtl="0" eaLnBrk="1" fontAlgn="base" hangingPunct="1">
+              <a:spcBef>
+                <a:spcPct val="20000"/>
+              </a:spcBef>
+              <a:spcAft>
+                <a:spcPct val="0"/>
+              </a:spcAft>
+              <a:buClr>
+                <a:srgbClr val="FFFF99"/>
+              </a:buClr>
+              <a:buSzPct val="150000"/>
+              <a:buChar char="·"/>
+              <a:defRPr b="1">
+                <a:solidFill>
+                  <a:schemeClr val="bg1"/>
+                </a:solidFill>
+                <a:latin typeface="+mn-lt"/>
+                <a:ea typeface="+mn-ea"/>
+              </a:defRPr>
+            </a:lvl9pPr>
+          </a:lstStyle>
+          <a:p>
+            <a:r>
+              <a:rPr lang="en-US" sz="1800" kern="0" dirty="0"/>
               <a:t>sbtreeview.py</a:t>
             </a:r>
           </a:p>
           <a:p>
             <a:pPr lvl="1"/>
             <a:r>
-              <a:rPr lang="en-US" sz="2250" dirty="0"/>
+              <a:rPr lang="en-US" sz="1600" kern="0" dirty="0"/>
               <a:t>Graphical user interface built on top of sbsync.py</a:t>
             </a:r>
           </a:p>
           <a:p>
             <a:pPr lvl="1"/>
             <a:r>
-              <a:rPr lang="en-US" sz="2250" dirty="0"/>
+              <a:rPr lang="en-US" sz="1600" kern="0" dirty="0"/>
               <a:t>Allows you to synchronize </a:t>
             </a:r>
             <a:r>
-              <a:rPr lang="en-US" sz="2250" dirty="0" err="1"/>
+              <a:rPr lang="en-US" sz="1600" kern="0" dirty="0" err="1"/>
               <a:t>ScienceBase</a:t>
             </a:r>
             <a:r>
-              <a:rPr lang="en-US" sz="2250" dirty="0"/>
+              <a:rPr lang="en-US" sz="1600" kern="0" dirty="0"/>
               <a:t> files and folders with your local file system</a:t>
             </a:r>
           </a:p>
           <a:p>
             <a:r>
-              <a:rPr lang="en-US" sz="2400" dirty="0"/>
+              <a:rPr lang="en-US" sz="1800" kern="0" dirty="0"/>
               <a:t>Both python scripts recently written </a:t>
             </a:r>
           </a:p>
           <a:p>
             <a:pPr lvl="1"/>
             <a:r>
-              <a:rPr lang="en-US" sz="2250" dirty="0"/>
+              <a:rPr lang="en-US" sz="1600" kern="0" dirty="0"/>
               <a:t>Currently Beta version 0.12</a:t>
             </a:r>
           </a:p>
           <a:p>
             <a:pPr lvl="1"/>
             <a:r>
-              <a:rPr lang="en-US" sz="2250" dirty="0"/>
+              <a:rPr lang="en-US" sz="1600" kern="0" dirty="0"/>
               <a:t>If you use these scripts now, consider yourself a Beta tester!</a:t>
             </a:r>
           </a:p>
           <a:p>
-            <a:endParaRPr lang="en-US" dirty="0"/>
+            <a:endParaRPr lang="en-US" kern="0" dirty="0"/>
           </a:p>
         </p:txBody>
       </p:sp>
@@ -6003,7 +6851,7 @@
             </a:r>
             <a:r>
               <a:rPr lang="en-US" sz="3200" dirty="0"/>
-              <a:t> Viewer (sbtreeview.py)</a:t>
+              <a:t> Viewer (sbtreeview.py/sbtreeview.exe)</a:t>
             </a:r>
           </a:p>
         </p:txBody>
@@ -6026,7 +6874,7 @@
         </p:nvSpPr>
         <p:spPr>
           <a:xfrm>
-            <a:off x="381000" y="1600200"/>
+            <a:off x="381000" y="1524000"/>
             <a:ext cx="8305800" cy="4495800"/>
           </a:xfrm>
         </p:spPr>
@@ -6035,69 +6883,125 @@
           <a:lstStyle/>
           <a:p>
             <a:r>
-              <a:rPr lang="en-US" sz="2400" dirty="0"/>
+              <a:rPr lang="en-US" sz="2000" dirty="0"/>
               <a:t>Files are currently on </a:t>
             </a:r>
             <a:r>
-              <a:rPr lang="en-US" sz="2400" dirty="0" err="1"/>
+              <a:rPr lang="en-US" sz="2000" dirty="0" err="1"/>
               <a:t>Github</a:t>
             </a:r>
-            <a:endParaRPr lang="en-US" sz="2400" dirty="0"/>
+            <a:endParaRPr lang="en-US" sz="2000" dirty="0"/>
           </a:p>
           <a:p>
             <a:pPr lvl="1"/>
             <a:r>
+              <a:rPr lang="en-US" sz="1800" dirty="0"/>
+              <a:t>https://github.com/rniswon/CAWSC_WaterUse/tree/master/etc/sciencebase</a:t>
+            </a:r>
+          </a:p>
+          <a:p>
+            <a:r>
               <a:rPr lang="en-US" sz="2000" dirty="0"/>
-              <a:t>https://github.com/rniswon/CAWSC_WaterUse/tree/master/etc/sciencebase</a:t>
-            </a:r>
-          </a:p>
-          <a:p>
-            <a:r>
-              <a:rPr lang="en-US" sz="2400" dirty="0"/>
               <a:t>Download all the files in the </a:t>
             </a:r>
             <a:r>
-              <a:rPr lang="en-US" sz="2400" dirty="0" err="1"/>
+              <a:rPr lang="en-US" sz="2000" dirty="0" err="1"/>
               <a:t>sciencebase</a:t>
             </a:r>
             <a:r>
-              <a:rPr lang="en-US" sz="2400" dirty="0"/>
+              <a:rPr lang="en-US" sz="2000" dirty="0"/>
               <a:t> folder</a:t>
             </a:r>
           </a:p>
           <a:p>
             <a:r>
-              <a:rPr lang="en-US" sz="2400" dirty="0"/>
-              <a:t>If not already installed, install</a:t>
+              <a:rPr lang="en-US" sz="2000" dirty="0"/>
+              <a:t>Windows users</a:t>
             </a:r>
           </a:p>
           <a:p>
             <a:pPr lvl="1"/>
             <a:r>
-              <a:rPr lang="en-US" sz="2250" dirty="0"/>
-              <a:t>Anaconda for Python 3.x</a:t>
+              <a:rPr lang="en-US" sz="1800" dirty="0"/>
+              <a:t>Just run “sbtreeview.exe”</a:t>
+            </a:r>
+          </a:p>
+          <a:p>
+            <a:r>
+              <a:rPr lang="en-US" sz="2000" dirty="0"/>
+              <a:t>Running </a:t>
+            </a:r>
+            <a:r>
+              <a:rPr lang="en-US" sz="2000" dirty="0" err="1"/>
+              <a:t>sbtreeview</a:t>
+            </a:r>
+            <a:r>
+              <a:rPr lang="en-US" sz="2000" dirty="0"/>
+              <a:t> as a python script</a:t>
             </a:r>
           </a:p>
           <a:p>
             <a:pPr lvl="1"/>
             <a:r>
-              <a:rPr lang="en-US" sz="2250" dirty="0" err="1"/>
+              <a:rPr lang="en-US" sz="1800" dirty="0"/>
+              <a:t>Install Anaconda for Python 3.x</a:t>
+            </a:r>
+          </a:p>
+          <a:p>
+            <a:pPr lvl="1"/>
+            <a:r>
+              <a:rPr lang="en-US" sz="1800" dirty="0"/>
+              <a:t>Set up python environment.  Do one of the following:</a:t>
+            </a:r>
+          </a:p>
+          <a:p>
+            <a:pPr lvl="2"/>
+            <a:r>
+              <a:rPr lang="en-US" sz="1600" dirty="0"/>
+              <a:t>Use </a:t>
+            </a:r>
+            <a:r>
+              <a:rPr lang="en-US" sz="1600" dirty="0" err="1"/>
+              <a:t>sbsync_env.yml</a:t>
+            </a:r>
+            <a:r>
+              <a:rPr lang="en-US" sz="1600" dirty="0"/>
+              <a:t> to set up environment</a:t>
+            </a:r>
+          </a:p>
+          <a:p>
+            <a:pPr lvl="3"/>
+            <a:r>
+              <a:rPr lang="en-US" sz="1450" dirty="0"/>
+              <a:t>conda.exe env create -f </a:t>
+            </a:r>
+            <a:r>
+              <a:rPr lang="en-US" sz="1450" dirty="0" err="1"/>
+              <a:t>sbsync_env.yml</a:t>
+            </a:r>
+            <a:endParaRPr lang="en-US" sz="1450" dirty="0"/>
+          </a:p>
+          <a:p>
+            <a:pPr lvl="2"/>
+            <a:r>
+              <a:rPr lang="en-US" sz="1600" dirty="0"/>
+              <a:t>Install </a:t>
+            </a:r>
+            <a:r>
+              <a:rPr lang="en-US" sz="1400" dirty="0" err="1"/>
               <a:t>ScienceBasePy</a:t>
             </a:r>
             <a:r>
-              <a:rPr lang="en-US" sz="2250" dirty="0"/>
+              <a:rPr lang="en-US" sz="1400" dirty="0"/>
               <a:t> and PyQt5 libraries</a:t>
             </a:r>
           </a:p>
           <a:p>
-            <a:r>
-              <a:rPr lang="en-US" sz="2400" dirty="0"/>
+            <a:pPr lvl="1"/>
+            <a:r>
+              <a:rPr lang="en-US" sz="1800" dirty="0"/>
               <a:t>Run “sbtreeview.py”</a:t>
             </a:r>
-          </a:p>
-          <a:p>
-            <a:pPr lvl="1"/>
-            <a:endParaRPr lang="en-US" dirty="0"/>
           </a:p>
         </p:txBody>
       </p:sp>
@@ -6136,6 +7040,1138 @@
           <p:cNvPr id="2" name="Title 1">
             <a:extLst>
               <a:ext uri="{FF2B5EF4-FFF2-40B4-BE49-F238E27FC236}">
+                <a16:creationId xmlns:a16="http://schemas.microsoft.com/office/drawing/2014/main" id="{4AA3C574-D774-4930-BBD5-0AE966955792}"/>
+              </a:ext>
+            </a:extLst>
+          </p:cNvPr>
+          <p:cNvSpPr>
+            <a:spLocks noGrp="1"/>
+          </p:cNvSpPr>
+          <p:nvPr>
+            <p:ph type="title"/>
+          </p:nvPr>
+        </p:nvSpPr>
+        <p:spPr>
+          <a:xfrm>
+            <a:off x="381000" y="152400"/>
+            <a:ext cx="8305800" cy="685800"/>
+          </a:xfrm>
+        </p:spPr>
+        <p:txBody>
+          <a:bodyPr/>
+          <a:lstStyle/>
+          <a:p>
+            <a:r>
+              <a:rPr lang="en-US" dirty="0"/>
+              <a:t>Connecting to </a:t>
+            </a:r>
+            <a:r>
+              <a:rPr lang="en-US" dirty="0" err="1"/>
+              <a:t>ScienceBase</a:t>
+            </a:r>
+            <a:endParaRPr lang="en-US" dirty="0"/>
+          </a:p>
+        </p:txBody>
+      </p:sp>
+      <p:sp>
+        <p:nvSpPr>
+          <p:cNvPr id="3" name="Content Placeholder 2">
+            <a:extLst>
+              <a:ext uri="{FF2B5EF4-FFF2-40B4-BE49-F238E27FC236}">
+                <a16:creationId xmlns:a16="http://schemas.microsoft.com/office/drawing/2014/main" id="{25901F6E-E1B3-4823-84F9-0FF3CE6EE63B}"/>
+              </a:ext>
+            </a:extLst>
+          </p:cNvPr>
+          <p:cNvSpPr>
+            <a:spLocks noGrp="1"/>
+          </p:cNvSpPr>
+          <p:nvPr>
+            <p:ph idx="1"/>
+          </p:nvPr>
+        </p:nvSpPr>
+        <p:spPr>
+          <a:xfrm>
+            <a:off x="152400" y="1020541"/>
+            <a:ext cx="3276600" cy="584553"/>
+          </a:xfrm>
+        </p:spPr>
+        <p:txBody>
+          <a:bodyPr/>
+          <a:lstStyle/>
+          <a:p>
+            <a:pPr marL="0" indent="0">
+              <a:buNone/>
+            </a:pPr>
+            <a:r>
+              <a:rPr lang="en-US" sz="1400" dirty="0"/>
+              <a:t>Your folder’s Root Folder ID can be found on the </a:t>
+            </a:r>
+            <a:r>
+              <a:rPr lang="en-US" sz="1400" dirty="0" err="1"/>
+              <a:t>ScienceBase</a:t>
+            </a:r>
+            <a:r>
+              <a:rPr lang="en-US" sz="1400" dirty="0"/>
+              <a:t> website</a:t>
+            </a:r>
+          </a:p>
+        </p:txBody>
+      </p:sp>
+      <p:pic>
+        <p:nvPicPr>
+          <p:cNvPr id="4" name="Picture 3">
+            <a:extLst>
+              <a:ext uri="{FF2B5EF4-FFF2-40B4-BE49-F238E27FC236}">
+                <a16:creationId xmlns:a16="http://schemas.microsoft.com/office/drawing/2014/main" id="{0479FE55-C6F7-482D-8EB5-EFE3D0AB8BF4}"/>
+              </a:ext>
+            </a:extLst>
+          </p:cNvPr>
+          <p:cNvPicPr>
+            <a:picLocks noChangeAspect="1"/>
+          </p:cNvPicPr>
+          <p:nvPr/>
+        </p:nvPicPr>
+        <p:blipFill>
+          <a:blip r:embed="rId2"/>
+          <a:stretch>
+            <a:fillRect/>
+          </a:stretch>
+        </p:blipFill>
+        <p:spPr>
+          <a:xfrm>
+            <a:off x="1596515" y="1879953"/>
+            <a:ext cx="5950969" cy="4825647"/>
+          </a:xfrm>
+          <a:prstGeom prst="rect">
+            <a:avLst/>
+          </a:prstGeom>
+        </p:spPr>
+      </p:pic>
+      <p:cxnSp>
+        <p:nvCxnSpPr>
+          <p:cNvPr id="6" name="Straight Arrow Connector 5">
+            <a:extLst>
+              <a:ext uri="{FF2B5EF4-FFF2-40B4-BE49-F238E27FC236}">
+                <a16:creationId xmlns:a16="http://schemas.microsoft.com/office/drawing/2014/main" id="{B8E15640-17E6-4D71-B71C-363209A5DF3D}"/>
+              </a:ext>
+            </a:extLst>
+          </p:cNvPr>
+          <p:cNvCxnSpPr>
+            <a:cxnSpLocks/>
+          </p:cNvCxnSpPr>
+          <p:nvPr/>
+        </p:nvCxnSpPr>
+        <p:spPr bwMode="auto">
+          <a:xfrm>
+            <a:off x="2133600" y="1574904"/>
+            <a:ext cx="533400" cy="711096"/>
+          </a:xfrm>
+          <a:prstGeom prst="straightConnector1">
+            <a:avLst/>
+          </a:prstGeom>
+          <a:solidFill>
+            <a:schemeClr val="accent1"/>
+          </a:solidFill>
+          <a:ln w="25400" cap="flat" cmpd="sng" algn="ctr">
+            <a:solidFill>
+              <a:schemeClr val="tx1"/>
+            </a:solidFill>
+            <a:prstDash val="solid"/>
+            <a:round/>
+            <a:headEnd type="none" w="med" len="med"/>
+            <a:tailEnd type="triangle"/>
+          </a:ln>
+          <a:effectLst/>
+          <a:extLst>
+            <a:ext uri="{AF507438-7753-43e0-B8FC-AC1667EBCBE1}">
+              <a14:hiddenEffects xmlns:a14="http://schemas.microsoft.com/office/drawing/2010/main" xmlns="">
+                <a:effectLst>
+                  <a:outerShdw blurRad="63500" dist="38099" dir="2700000" algn="ctr" rotWithShape="0">
+                    <a:schemeClr val="bg2">
+                      <a:alpha val="74998"/>
+                    </a:schemeClr>
+                  </a:outerShdw>
+                </a:effectLst>
+              </a14:hiddenEffects>
+            </a:ext>
+          </a:extLst>
+        </p:spPr>
+      </p:cxnSp>
+      <p:cxnSp>
+        <p:nvCxnSpPr>
+          <p:cNvPr id="10" name="Straight Arrow Connector 9">
+            <a:extLst>
+              <a:ext uri="{FF2B5EF4-FFF2-40B4-BE49-F238E27FC236}">
+                <a16:creationId xmlns:a16="http://schemas.microsoft.com/office/drawing/2014/main" id="{DA5856D7-3094-4457-9828-9DE7F3AFECC0}"/>
+              </a:ext>
+            </a:extLst>
+          </p:cNvPr>
+          <p:cNvCxnSpPr>
+            <a:cxnSpLocks/>
+          </p:cNvCxnSpPr>
+          <p:nvPr/>
+        </p:nvCxnSpPr>
+        <p:spPr bwMode="auto">
+          <a:xfrm flipH="1">
+            <a:off x="4038601" y="1574904"/>
+            <a:ext cx="79884" cy="711096"/>
+          </a:xfrm>
+          <a:prstGeom prst="straightConnector1">
+            <a:avLst/>
+          </a:prstGeom>
+          <a:solidFill>
+            <a:schemeClr val="accent1"/>
+          </a:solidFill>
+          <a:ln w="25400" cap="flat" cmpd="sng" algn="ctr">
+            <a:solidFill>
+              <a:schemeClr val="tx1"/>
+            </a:solidFill>
+            <a:prstDash val="solid"/>
+            <a:round/>
+            <a:headEnd type="none" w="med" len="med"/>
+            <a:tailEnd type="triangle"/>
+          </a:ln>
+          <a:effectLst/>
+          <a:extLst>
+            <a:ext uri="{AF507438-7753-43e0-B8FC-AC1667EBCBE1}">
+              <a14:hiddenEffects xmlns:a14="http://schemas.microsoft.com/office/drawing/2010/main" xmlns="">
+                <a:effectLst>
+                  <a:outerShdw blurRad="63500" dist="38099" dir="2700000" algn="ctr" rotWithShape="0">
+                    <a:schemeClr val="bg2">
+                      <a:alpha val="74998"/>
+                    </a:schemeClr>
+                  </a:outerShdw>
+                </a:effectLst>
+              </a14:hiddenEffects>
+            </a:ext>
+          </a:extLst>
+        </p:spPr>
+      </p:cxnSp>
+      <p:sp>
+        <p:nvSpPr>
+          <p:cNvPr id="12" name="Content Placeholder 2">
+            <a:extLst>
+              <a:ext uri="{FF2B5EF4-FFF2-40B4-BE49-F238E27FC236}">
+                <a16:creationId xmlns:a16="http://schemas.microsoft.com/office/drawing/2014/main" id="{5A1414AC-C0CC-48D9-83BE-5768D8C2196D}"/>
+              </a:ext>
+            </a:extLst>
+          </p:cNvPr>
+          <p:cNvSpPr txBox="1">
+            <a:spLocks/>
+          </p:cNvSpPr>
+          <p:nvPr/>
+        </p:nvSpPr>
+        <p:spPr bwMode="auto">
+          <a:xfrm>
+            <a:off x="3370971" y="1008297"/>
+            <a:ext cx="1658229" cy="685800"/>
+          </a:xfrm>
+          <a:prstGeom prst="rect">
+            <a:avLst/>
+          </a:prstGeom>
+          <a:noFill/>
+          <a:ln>
+            <a:noFill/>
+          </a:ln>
+          <a:effectLst/>
+          <a:extLst>
+            <a:ext uri="{909E8E84-426E-40dd-AFC4-6F175D3DCCD1}">
+              <a14:hiddenFill xmlns="" xmlns:a14="http://schemas.microsoft.com/office/drawing/2010/main">
+                <a:solidFill>
+                  <a:schemeClr val="accent1"/>
+                </a:solidFill>
+              </a14:hiddenFill>
+            </a:ext>
+            <a:ext uri="{91240B29-F687-4f45-9708-019B960494DF}">
+              <a14:hiddenLine xmlns="" xmlns:a14="http://schemas.microsoft.com/office/drawing/2010/main" w="12700">
+                <a:solidFill>
+                  <a:schemeClr val="tx1"/>
+                </a:solidFill>
+                <a:miter lim="800000"/>
+                <a:headEnd/>
+                <a:tailEnd/>
+              </a14:hiddenLine>
+            </a:ext>
+            <a:ext uri="{AF507438-7753-43e0-B8FC-AC1667EBCBE1}">
+              <a14:hiddenEffects xmlns="" xmlns:a14="http://schemas.microsoft.com/office/drawing/2010/main">
+                <a:effectLst>
+                  <a:outerShdw blurRad="63500" dist="38099" dir="2700000" algn="ctr" rotWithShape="0">
+                    <a:schemeClr val="bg2">
+                      <a:alpha val="74998"/>
+                    </a:schemeClr>
+                  </a:outerShdw>
+                </a:effectLst>
+              </a14:hiddenEffects>
+            </a:ext>
+            <a:ext uri="{FAA26D3D-D897-4be2-8F04-BA451C77F1D7}">
+              <ma14:placeholderFlag xmlns="" xmlns:ma14="http://schemas.microsoft.com/office/mac/drawingml/2011/main" val="1"/>
+            </a:ext>
+          </a:extLst>
+        </p:spPr>
+        <p:txBody>
+          <a:bodyPr vert="horz" wrap="square" lIns="90488" tIns="44450" rIns="90488" bIns="44450" numCol="1" anchor="t" anchorCtr="0" compatLnSpc="1">
+            <a:prstTxWarp prst="textNoShape">
+              <a:avLst/>
+            </a:prstTxWarp>
+          </a:bodyPr>
+          <a:lstStyle>
+            <a:lvl1pPr marL="257175" indent="-257175" algn="l" rtl="0" eaLnBrk="1" fontAlgn="base" hangingPunct="1">
+              <a:spcBef>
+                <a:spcPct val="20000"/>
+              </a:spcBef>
+              <a:spcAft>
+                <a:spcPct val="0"/>
+              </a:spcAft>
+              <a:buClr>
+                <a:srgbClr val="FFFF99"/>
+              </a:buClr>
+              <a:buSzPct val="150000"/>
+              <a:buChar char="·"/>
+              <a:defRPr sz="1500" b="1">
+                <a:solidFill>
+                  <a:schemeClr val="bg1"/>
+                </a:solidFill>
+                <a:latin typeface="+mn-lt"/>
+                <a:ea typeface="+mn-ea"/>
+                <a:cs typeface="+mn-cs"/>
+              </a:defRPr>
+            </a:lvl1pPr>
+            <a:lvl2pPr marL="557213" indent="-214313" algn="l" rtl="0" eaLnBrk="1" fontAlgn="base" hangingPunct="1">
+              <a:spcBef>
+                <a:spcPct val="20000"/>
+              </a:spcBef>
+              <a:spcAft>
+                <a:spcPct val="0"/>
+              </a:spcAft>
+              <a:buClr>
+                <a:srgbClr val="FFFF99"/>
+              </a:buClr>
+              <a:buSzPct val="150000"/>
+              <a:buChar char="·"/>
+              <a:defRPr sz="1350" b="1">
+                <a:solidFill>
+                  <a:schemeClr val="bg1"/>
+                </a:solidFill>
+                <a:latin typeface="+mn-lt"/>
+                <a:ea typeface="+mn-ea"/>
+              </a:defRPr>
+            </a:lvl2pPr>
+            <a:lvl3pPr marL="857250" indent="-171450" algn="l" rtl="0" eaLnBrk="1" fontAlgn="base" hangingPunct="1">
+              <a:spcBef>
+                <a:spcPct val="20000"/>
+              </a:spcBef>
+              <a:spcAft>
+                <a:spcPct val="0"/>
+              </a:spcAft>
+              <a:buClr>
+                <a:srgbClr val="FFFF99"/>
+              </a:buClr>
+              <a:buSzPct val="150000"/>
+              <a:buChar char="·"/>
+              <a:defRPr sz="1200" b="1" i="1">
+                <a:solidFill>
+                  <a:schemeClr val="bg1"/>
+                </a:solidFill>
+                <a:latin typeface="+mn-lt"/>
+                <a:ea typeface="+mn-ea"/>
+              </a:defRPr>
+            </a:lvl3pPr>
+            <a:lvl4pPr marL="1200150" indent="-171450" algn="l" rtl="0" eaLnBrk="1" fontAlgn="base" hangingPunct="1">
+              <a:spcBef>
+                <a:spcPct val="20000"/>
+              </a:spcBef>
+              <a:spcAft>
+                <a:spcPct val="0"/>
+              </a:spcAft>
+              <a:buClr>
+                <a:srgbClr val="FFFF99"/>
+              </a:buClr>
+              <a:buSzPct val="150000"/>
+              <a:buChar char="·"/>
+              <a:defRPr sz="1050" b="1">
+                <a:solidFill>
+                  <a:srgbClr val="FFFF99"/>
+                </a:solidFill>
+                <a:latin typeface="+mn-lt"/>
+                <a:ea typeface="+mn-ea"/>
+              </a:defRPr>
+            </a:lvl4pPr>
+            <a:lvl5pPr marL="1543050" indent="-171450" algn="l" rtl="0" eaLnBrk="1" fontAlgn="base" hangingPunct="1">
+              <a:spcBef>
+                <a:spcPct val="20000"/>
+              </a:spcBef>
+              <a:spcAft>
+                <a:spcPct val="0"/>
+              </a:spcAft>
+              <a:buClr>
+                <a:srgbClr val="FFFF99"/>
+              </a:buClr>
+              <a:buSzPct val="150000"/>
+              <a:buChar char="·"/>
+              <a:defRPr sz="900" b="1" i="1">
+                <a:solidFill>
+                  <a:schemeClr val="bg1"/>
+                </a:solidFill>
+                <a:latin typeface="+mn-lt"/>
+                <a:ea typeface="+mn-ea"/>
+              </a:defRPr>
+            </a:lvl5pPr>
+            <a:lvl6pPr marL="1885950" indent="-171450" algn="l" rtl="0" eaLnBrk="1" fontAlgn="base" hangingPunct="1">
+              <a:spcBef>
+                <a:spcPct val="20000"/>
+              </a:spcBef>
+              <a:spcAft>
+                <a:spcPct val="0"/>
+              </a:spcAft>
+              <a:buClr>
+                <a:srgbClr val="FFFF99"/>
+              </a:buClr>
+              <a:buSzPct val="150000"/>
+              <a:buChar char="·"/>
+              <a:defRPr b="1">
+                <a:solidFill>
+                  <a:schemeClr val="bg1"/>
+                </a:solidFill>
+                <a:latin typeface="+mn-lt"/>
+                <a:ea typeface="+mn-ea"/>
+              </a:defRPr>
+            </a:lvl6pPr>
+            <a:lvl7pPr marL="2228850" indent="-171450" algn="l" rtl="0" eaLnBrk="1" fontAlgn="base" hangingPunct="1">
+              <a:spcBef>
+                <a:spcPct val="20000"/>
+              </a:spcBef>
+              <a:spcAft>
+                <a:spcPct val="0"/>
+              </a:spcAft>
+              <a:buClr>
+                <a:srgbClr val="FFFF99"/>
+              </a:buClr>
+              <a:buSzPct val="150000"/>
+              <a:buChar char="·"/>
+              <a:defRPr b="1">
+                <a:solidFill>
+                  <a:schemeClr val="bg1"/>
+                </a:solidFill>
+                <a:latin typeface="+mn-lt"/>
+                <a:ea typeface="+mn-ea"/>
+              </a:defRPr>
+            </a:lvl7pPr>
+            <a:lvl8pPr marL="2571750" indent="-171450" algn="l" rtl="0" eaLnBrk="1" fontAlgn="base" hangingPunct="1">
+              <a:spcBef>
+                <a:spcPct val="20000"/>
+              </a:spcBef>
+              <a:spcAft>
+                <a:spcPct val="0"/>
+              </a:spcAft>
+              <a:buClr>
+                <a:srgbClr val="FFFF99"/>
+              </a:buClr>
+              <a:buSzPct val="150000"/>
+              <a:buChar char="·"/>
+              <a:defRPr b="1">
+                <a:solidFill>
+                  <a:schemeClr val="bg1"/>
+                </a:solidFill>
+                <a:latin typeface="+mn-lt"/>
+                <a:ea typeface="+mn-ea"/>
+              </a:defRPr>
+            </a:lvl8pPr>
+            <a:lvl9pPr marL="2914650" indent="-171450" algn="l" rtl="0" eaLnBrk="1" fontAlgn="base" hangingPunct="1">
+              <a:spcBef>
+                <a:spcPct val="20000"/>
+              </a:spcBef>
+              <a:spcAft>
+                <a:spcPct val="0"/>
+              </a:spcAft>
+              <a:buClr>
+                <a:srgbClr val="FFFF99"/>
+              </a:buClr>
+              <a:buSzPct val="150000"/>
+              <a:buChar char="·"/>
+              <a:defRPr b="1">
+                <a:solidFill>
+                  <a:schemeClr val="bg1"/>
+                </a:solidFill>
+                <a:latin typeface="+mn-lt"/>
+                <a:ea typeface="+mn-ea"/>
+              </a:defRPr>
+            </a:lvl9pPr>
+          </a:lstStyle>
+          <a:p>
+            <a:pPr marL="0" indent="0">
+              <a:buFontTx/>
+              <a:buNone/>
+            </a:pPr>
+            <a:r>
+              <a:rPr lang="en-US" sz="1400" kern="0" dirty="0"/>
+              <a:t>Your USGS email address</a:t>
+            </a:r>
+          </a:p>
+        </p:txBody>
+      </p:sp>
+      <p:sp>
+        <p:nvSpPr>
+          <p:cNvPr id="16" name="Content Placeholder 2">
+            <a:extLst>
+              <a:ext uri="{FF2B5EF4-FFF2-40B4-BE49-F238E27FC236}">
+                <a16:creationId xmlns:a16="http://schemas.microsoft.com/office/drawing/2014/main" id="{99EF652B-465C-481B-9EDD-0963E64275C4}"/>
+              </a:ext>
+            </a:extLst>
+          </p:cNvPr>
+          <p:cNvSpPr txBox="1">
+            <a:spLocks/>
+          </p:cNvSpPr>
+          <p:nvPr/>
+        </p:nvSpPr>
+        <p:spPr bwMode="auto">
+          <a:xfrm>
+            <a:off x="5038663" y="1008297"/>
+            <a:ext cx="1774371" cy="685800"/>
+          </a:xfrm>
+          <a:prstGeom prst="rect">
+            <a:avLst/>
+          </a:prstGeom>
+          <a:noFill/>
+          <a:ln>
+            <a:noFill/>
+          </a:ln>
+          <a:effectLst/>
+          <a:extLst>
+            <a:ext uri="{909E8E84-426E-40dd-AFC4-6F175D3DCCD1}">
+              <a14:hiddenFill xmlns="" xmlns:a14="http://schemas.microsoft.com/office/drawing/2010/main">
+                <a:solidFill>
+                  <a:schemeClr val="accent1"/>
+                </a:solidFill>
+              </a14:hiddenFill>
+            </a:ext>
+            <a:ext uri="{91240B29-F687-4f45-9708-019B960494DF}">
+              <a14:hiddenLine xmlns="" xmlns:a14="http://schemas.microsoft.com/office/drawing/2010/main" w="12700">
+                <a:solidFill>
+                  <a:schemeClr val="tx1"/>
+                </a:solidFill>
+                <a:miter lim="800000"/>
+                <a:headEnd/>
+                <a:tailEnd/>
+              </a14:hiddenLine>
+            </a:ext>
+            <a:ext uri="{AF507438-7753-43e0-B8FC-AC1667EBCBE1}">
+              <a14:hiddenEffects xmlns="" xmlns:a14="http://schemas.microsoft.com/office/drawing/2010/main">
+                <a:effectLst>
+                  <a:outerShdw blurRad="63500" dist="38099" dir="2700000" algn="ctr" rotWithShape="0">
+                    <a:schemeClr val="bg2">
+                      <a:alpha val="74998"/>
+                    </a:schemeClr>
+                  </a:outerShdw>
+                </a:effectLst>
+              </a14:hiddenEffects>
+            </a:ext>
+            <a:ext uri="{FAA26D3D-D897-4be2-8F04-BA451C77F1D7}">
+              <ma14:placeholderFlag xmlns="" xmlns:ma14="http://schemas.microsoft.com/office/mac/drawingml/2011/main" val="1"/>
+            </a:ext>
+          </a:extLst>
+        </p:spPr>
+        <p:txBody>
+          <a:bodyPr vert="horz" wrap="square" lIns="90488" tIns="44450" rIns="90488" bIns="44450" numCol="1" anchor="t" anchorCtr="0" compatLnSpc="1">
+            <a:prstTxWarp prst="textNoShape">
+              <a:avLst/>
+            </a:prstTxWarp>
+          </a:bodyPr>
+          <a:lstStyle>
+            <a:lvl1pPr marL="257175" indent="-257175" algn="l" rtl="0" eaLnBrk="1" fontAlgn="base" hangingPunct="1">
+              <a:spcBef>
+                <a:spcPct val="20000"/>
+              </a:spcBef>
+              <a:spcAft>
+                <a:spcPct val="0"/>
+              </a:spcAft>
+              <a:buClr>
+                <a:srgbClr val="FFFF99"/>
+              </a:buClr>
+              <a:buSzPct val="150000"/>
+              <a:buChar char="·"/>
+              <a:defRPr sz="1500" b="1">
+                <a:solidFill>
+                  <a:schemeClr val="bg1"/>
+                </a:solidFill>
+                <a:latin typeface="+mn-lt"/>
+                <a:ea typeface="+mn-ea"/>
+                <a:cs typeface="+mn-cs"/>
+              </a:defRPr>
+            </a:lvl1pPr>
+            <a:lvl2pPr marL="557213" indent="-214313" algn="l" rtl="0" eaLnBrk="1" fontAlgn="base" hangingPunct="1">
+              <a:spcBef>
+                <a:spcPct val="20000"/>
+              </a:spcBef>
+              <a:spcAft>
+                <a:spcPct val="0"/>
+              </a:spcAft>
+              <a:buClr>
+                <a:srgbClr val="FFFF99"/>
+              </a:buClr>
+              <a:buSzPct val="150000"/>
+              <a:buChar char="·"/>
+              <a:defRPr sz="1350" b="1">
+                <a:solidFill>
+                  <a:schemeClr val="bg1"/>
+                </a:solidFill>
+                <a:latin typeface="+mn-lt"/>
+                <a:ea typeface="+mn-ea"/>
+              </a:defRPr>
+            </a:lvl2pPr>
+            <a:lvl3pPr marL="857250" indent="-171450" algn="l" rtl="0" eaLnBrk="1" fontAlgn="base" hangingPunct="1">
+              <a:spcBef>
+                <a:spcPct val="20000"/>
+              </a:spcBef>
+              <a:spcAft>
+                <a:spcPct val="0"/>
+              </a:spcAft>
+              <a:buClr>
+                <a:srgbClr val="FFFF99"/>
+              </a:buClr>
+              <a:buSzPct val="150000"/>
+              <a:buChar char="·"/>
+              <a:defRPr sz="1200" b="1" i="1">
+                <a:solidFill>
+                  <a:schemeClr val="bg1"/>
+                </a:solidFill>
+                <a:latin typeface="+mn-lt"/>
+                <a:ea typeface="+mn-ea"/>
+              </a:defRPr>
+            </a:lvl3pPr>
+            <a:lvl4pPr marL="1200150" indent="-171450" algn="l" rtl="0" eaLnBrk="1" fontAlgn="base" hangingPunct="1">
+              <a:spcBef>
+                <a:spcPct val="20000"/>
+              </a:spcBef>
+              <a:spcAft>
+                <a:spcPct val="0"/>
+              </a:spcAft>
+              <a:buClr>
+                <a:srgbClr val="FFFF99"/>
+              </a:buClr>
+              <a:buSzPct val="150000"/>
+              <a:buChar char="·"/>
+              <a:defRPr sz="1050" b="1">
+                <a:solidFill>
+                  <a:srgbClr val="FFFF99"/>
+                </a:solidFill>
+                <a:latin typeface="+mn-lt"/>
+                <a:ea typeface="+mn-ea"/>
+              </a:defRPr>
+            </a:lvl4pPr>
+            <a:lvl5pPr marL="1543050" indent="-171450" algn="l" rtl="0" eaLnBrk="1" fontAlgn="base" hangingPunct="1">
+              <a:spcBef>
+                <a:spcPct val="20000"/>
+              </a:spcBef>
+              <a:spcAft>
+                <a:spcPct val="0"/>
+              </a:spcAft>
+              <a:buClr>
+                <a:srgbClr val="FFFF99"/>
+              </a:buClr>
+              <a:buSzPct val="150000"/>
+              <a:buChar char="·"/>
+              <a:defRPr sz="900" b="1" i="1">
+                <a:solidFill>
+                  <a:schemeClr val="bg1"/>
+                </a:solidFill>
+                <a:latin typeface="+mn-lt"/>
+                <a:ea typeface="+mn-ea"/>
+              </a:defRPr>
+            </a:lvl5pPr>
+            <a:lvl6pPr marL="1885950" indent="-171450" algn="l" rtl="0" eaLnBrk="1" fontAlgn="base" hangingPunct="1">
+              <a:spcBef>
+                <a:spcPct val="20000"/>
+              </a:spcBef>
+              <a:spcAft>
+                <a:spcPct val="0"/>
+              </a:spcAft>
+              <a:buClr>
+                <a:srgbClr val="FFFF99"/>
+              </a:buClr>
+              <a:buSzPct val="150000"/>
+              <a:buChar char="·"/>
+              <a:defRPr b="1">
+                <a:solidFill>
+                  <a:schemeClr val="bg1"/>
+                </a:solidFill>
+                <a:latin typeface="+mn-lt"/>
+                <a:ea typeface="+mn-ea"/>
+              </a:defRPr>
+            </a:lvl6pPr>
+            <a:lvl7pPr marL="2228850" indent="-171450" algn="l" rtl="0" eaLnBrk="1" fontAlgn="base" hangingPunct="1">
+              <a:spcBef>
+                <a:spcPct val="20000"/>
+              </a:spcBef>
+              <a:spcAft>
+                <a:spcPct val="0"/>
+              </a:spcAft>
+              <a:buClr>
+                <a:srgbClr val="FFFF99"/>
+              </a:buClr>
+              <a:buSzPct val="150000"/>
+              <a:buChar char="·"/>
+              <a:defRPr b="1">
+                <a:solidFill>
+                  <a:schemeClr val="bg1"/>
+                </a:solidFill>
+                <a:latin typeface="+mn-lt"/>
+                <a:ea typeface="+mn-ea"/>
+              </a:defRPr>
+            </a:lvl7pPr>
+            <a:lvl8pPr marL="2571750" indent="-171450" algn="l" rtl="0" eaLnBrk="1" fontAlgn="base" hangingPunct="1">
+              <a:spcBef>
+                <a:spcPct val="20000"/>
+              </a:spcBef>
+              <a:spcAft>
+                <a:spcPct val="0"/>
+              </a:spcAft>
+              <a:buClr>
+                <a:srgbClr val="FFFF99"/>
+              </a:buClr>
+              <a:buSzPct val="150000"/>
+              <a:buChar char="·"/>
+              <a:defRPr b="1">
+                <a:solidFill>
+                  <a:schemeClr val="bg1"/>
+                </a:solidFill>
+                <a:latin typeface="+mn-lt"/>
+                <a:ea typeface="+mn-ea"/>
+              </a:defRPr>
+            </a:lvl8pPr>
+            <a:lvl9pPr marL="2914650" indent="-171450" algn="l" rtl="0" eaLnBrk="1" fontAlgn="base" hangingPunct="1">
+              <a:spcBef>
+                <a:spcPct val="20000"/>
+              </a:spcBef>
+              <a:spcAft>
+                <a:spcPct val="0"/>
+              </a:spcAft>
+              <a:buClr>
+                <a:srgbClr val="FFFF99"/>
+              </a:buClr>
+              <a:buSzPct val="150000"/>
+              <a:buChar char="·"/>
+              <a:defRPr b="1">
+                <a:solidFill>
+                  <a:schemeClr val="bg1"/>
+                </a:solidFill>
+                <a:latin typeface="+mn-lt"/>
+                <a:ea typeface="+mn-ea"/>
+              </a:defRPr>
+            </a:lvl9pPr>
+          </a:lstStyle>
+          <a:p>
+            <a:pPr marL="0" indent="0">
+              <a:buFontTx/>
+              <a:buNone/>
+            </a:pPr>
+            <a:r>
+              <a:rPr lang="en-US" sz="1400" kern="0" dirty="0"/>
+              <a:t>Where you want to store </a:t>
+            </a:r>
+            <a:r>
+              <a:rPr lang="en-US" sz="1400" kern="0" dirty="0" err="1"/>
+              <a:t>ScienceBase</a:t>
+            </a:r>
+            <a:r>
+              <a:rPr lang="en-US" sz="1400" kern="0" dirty="0"/>
+              <a:t> files locally</a:t>
+            </a:r>
+          </a:p>
+        </p:txBody>
+      </p:sp>
+      <p:cxnSp>
+        <p:nvCxnSpPr>
+          <p:cNvPr id="18" name="Straight Arrow Connector 17">
+            <a:extLst>
+              <a:ext uri="{FF2B5EF4-FFF2-40B4-BE49-F238E27FC236}">
+                <a16:creationId xmlns:a16="http://schemas.microsoft.com/office/drawing/2014/main" id="{DDD00032-7B59-4F79-8758-CA28F2A98D70}"/>
+              </a:ext>
+            </a:extLst>
+          </p:cNvPr>
+          <p:cNvCxnSpPr/>
+          <p:nvPr/>
+        </p:nvCxnSpPr>
+        <p:spPr bwMode="auto">
+          <a:xfrm>
+            <a:off x="5867400" y="1694097"/>
+            <a:ext cx="152400" cy="591903"/>
+          </a:xfrm>
+          <a:prstGeom prst="straightConnector1">
+            <a:avLst/>
+          </a:prstGeom>
+          <a:solidFill>
+            <a:schemeClr val="accent1"/>
+          </a:solidFill>
+          <a:ln w="25400" cap="flat" cmpd="sng" algn="ctr">
+            <a:solidFill>
+              <a:schemeClr val="tx1"/>
+            </a:solidFill>
+            <a:prstDash val="solid"/>
+            <a:round/>
+            <a:headEnd type="none" w="med" len="med"/>
+            <a:tailEnd type="triangle"/>
+          </a:ln>
+          <a:effectLst/>
+          <a:extLst>
+            <a:ext uri="{AF507438-7753-43e0-B8FC-AC1667EBCBE1}">
+              <a14:hiddenEffects xmlns:a14="http://schemas.microsoft.com/office/drawing/2010/main" xmlns="">
+                <a:effectLst>
+                  <a:outerShdw blurRad="63500" dist="38099" dir="2700000" algn="ctr" rotWithShape="0">
+                    <a:schemeClr val="bg2">
+                      <a:alpha val="74998"/>
+                    </a:schemeClr>
+                  </a:outerShdw>
+                </a:effectLst>
+              </a14:hiddenEffects>
+            </a:ext>
+          </a:extLst>
+        </p:spPr>
+      </p:cxnSp>
+      <p:sp>
+        <p:nvSpPr>
+          <p:cNvPr id="19" name="Content Placeholder 2">
+            <a:extLst>
+              <a:ext uri="{FF2B5EF4-FFF2-40B4-BE49-F238E27FC236}">
+                <a16:creationId xmlns:a16="http://schemas.microsoft.com/office/drawing/2014/main" id="{747B8220-B7C9-429D-B77A-6870D814259F}"/>
+              </a:ext>
+            </a:extLst>
+          </p:cNvPr>
+          <p:cNvSpPr txBox="1">
+            <a:spLocks/>
+          </p:cNvSpPr>
+          <p:nvPr/>
+        </p:nvSpPr>
+        <p:spPr bwMode="auto">
+          <a:xfrm>
+            <a:off x="6858000" y="1024056"/>
+            <a:ext cx="2133600" cy="685800"/>
+          </a:xfrm>
+          <a:prstGeom prst="rect">
+            <a:avLst/>
+          </a:prstGeom>
+          <a:noFill/>
+          <a:ln>
+            <a:noFill/>
+          </a:ln>
+          <a:effectLst/>
+          <a:extLst>
+            <a:ext uri="{909E8E84-426E-40dd-AFC4-6F175D3DCCD1}">
+              <a14:hiddenFill xmlns="" xmlns:a14="http://schemas.microsoft.com/office/drawing/2010/main">
+                <a:solidFill>
+                  <a:schemeClr val="accent1"/>
+                </a:solidFill>
+              </a14:hiddenFill>
+            </a:ext>
+            <a:ext uri="{91240B29-F687-4f45-9708-019B960494DF}">
+              <a14:hiddenLine xmlns="" xmlns:a14="http://schemas.microsoft.com/office/drawing/2010/main" w="12700">
+                <a:solidFill>
+                  <a:schemeClr val="tx1"/>
+                </a:solidFill>
+                <a:miter lim="800000"/>
+                <a:headEnd/>
+                <a:tailEnd/>
+              </a14:hiddenLine>
+            </a:ext>
+            <a:ext uri="{AF507438-7753-43e0-B8FC-AC1667EBCBE1}">
+              <a14:hiddenEffects xmlns="" xmlns:a14="http://schemas.microsoft.com/office/drawing/2010/main">
+                <a:effectLst>
+                  <a:outerShdw blurRad="63500" dist="38099" dir="2700000" algn="ctr" rotWithShape="0">
+                    <a:schemeClr val="bg2">
+                      <a:alpha val="74998"/>
+                    </a:schemeClr>
+                  </a:outerShdw>
+                </a:effectLst>
+              </a14:hiddenEffects>
+            </a:ext>
+            <a:ext uri="{FAA26D3D-D897-4be2-8F04-BA451C77F1D7}">
+              <ma14:placeholderFlag xmlns="" xmlns:ma14="http://schemas.microsoft.com/office/mac/drawingml/2011/main" val="1"/>
+            </a:ext>
+          </a:extLst>
+        </p:spPr>
+        <p:txBody>
+          <a:bodyPr vert="horz" wrap="square" lIns="90488" tIns="44450" rIns="90488" bIns="44450" numCol="1" anchor="t" anchorCtr="0" compatLnSpc="1">
+            <a:prstTxWarp prst="textNoShape">
+              <a:avLst/>
+            </a:prstTxWarp>
+          </a:bodyPr>
+          <a:lstStyle>
+            <a:lvl1pPr marL="257175" indent="-257175" algn="l" rtl="0" eaLnBrk="1" fontAlgn="base" hangingPunct="1">
+              <a:spcBef>
+                <a:spcPct val="20000"/>
+              </a:spcBef>
+              <a:spcAft>
+                <a:spcPct val="0"/>
+              </a:spcAft>
+              <a:buClr>
+                <a:srgbClr val="FFFF99"/>
+              </a:buClr>
+              <a:buSzPct val="150000"/>
+              <a:buChar char="·"/>
+              <a:defRPr sz="1500" b="1">
+                <a:solidFill>
+                  <a:schemeClr val="bg1"/>
+                </a:solidFill>
+                <a:latin typeface="+mn-lt"/>
+                <a:ea typeface="+mn-ea"/>
+                <a:cs typeface="+mn-cs"/>
+              </a:defRPr>
+            </a:lvl1pPr>
+            <a:lvl2pPr marL="557213" indent="-214313" algn="l" rtl="0" eaLnBrk="1" fontAlgn="base" hangingPunct="1">
+              <a:spcBef>
+                <a:spcPct val="20000"/>
+              </a:spcBef>
+              <a:spcAft>
+                <a:spcPct val="0"/>
+              </a:spcAft>
+              <a:buClr>
+                <a:srgbClr val="FFFF99"/>
+              </a:buClr>
+              <a:buSzPct val="150000"/>
+              <a:buChar char="·"/>
+              <a:defRPr sz="1350" b="1">
+                <a:solidFill>
+                  <a:schemeClr val="bg1"/>
+                </a:solidFill>
+                <a:latin typeface="+mn-lt"/>
+                <a:ea typeface="+mn-ea"/>
+              </a:defRPr>
+            </a:lvl2pPr>
+            <a:lvl3pPr marL="857250" indent="-171450" algn="l" rtl="0" eaLnBrk="1" fontAlgn="base" hangingPunct="1">
+              <a:spcBef>
+                <a:spcPct val="20000"/>
+              </a:spcBef>
+              <a:spcAft>
+                <a:spcPct val="0"/>
+              </a:spcAft>
+              <a:buClr>
+                <a:srgbClr val="FFFF99"/>
+              </a:buClr>
+              <a:buSzPct val="150000"/>
+              <a:buChar char="·"/>
+              <a:defRPr sz="1200" b="1" i="1">
+                <a:solidFill>
+                  <a:schemeClr val="bg1"/>
+                </a:solidFill>
+                <a:latin typeface="+mn-lt"/>
+                <a:ea typeface="+mn-ea"/>
+              </a:defRPr>
+            </a:lvl3pPr>
+            <a:lvl4pPr marL="1200150" indent="-171450" algn="l" rtl="0" eaLnBrk="1" fontAlgn="base" hangingPunct="1">
+              <a:spcBef>
+                <a:spcPct val="20000"/>
+              </a:spcBef>
+              <a:spcAft>
+                <a:spcPct val="0"/>
+              </a:spcAft>
+              <a:buClr>
+                <a:srgbClr val="FFFF99"/>
+              </a:buClr>
+              <a:buSzPct val="150000"/>
+              <a:buChar char="·"/>
+              <a:defRPr sz="1050" b="1">
+                <a:solidFill>
+                  <a:srgbClr val="FFFF99"/>
+                </a:solidFill>
+                <a:latin typeface="+mn-lt"/>
+                <a:ea typeface="+mn-ea"/>
+              </a:defRPr>
+            </a:lvl4pPr>
+            <a:lvl5pPr marL="1543050" indent="-171450" algn="l" rtl="0" eaLnBrk="1" fontAlgn="base" hangingPunct="1">
+              <a:spcBef>
+                <a:spcPct val="20000"/>
+              </a:spcBef>
+              <a:spcAft>
+                <a:spcPct val="0"/>
+              </a:spcAft>
+              <a:buClr>
+                <a:srgbClr val="FFFF99"/>
+              </a:buClr>
+              <a:buSzPct val="150000"/>
+              <a:buChar char="·"/>
+              <a:defRPr sz="900" b="1" i="1">
+                <a:solidFill>
+                  <a:schemeClr val="bg1"/>
+                </a:solidFill>
+                <a:latin typeface="+mn-lt"/>
+                <a:ea typeface="+mn-ea"/>
+              </a:defRPr>
+            </a:lvl5pPr>
+            <a:lvl6pPr marL="1885950" indent="-171450" algn="l" rtl="0" eaLnBrk="1" fontAlgn="base" hangingPunct="1">
+              <a:spcBef>
+                <a:spcPct val="20000"/>
+              </a:spcBef>
+              <a:spcAft>
+                <a:spcPct val="0"/>
+              </a:spcAft>
+              <a:buClr>
+                <a:srgbClr val="FFFF99"/>
+              </a:buClr>
+              <a:buSzPct val="150000"/>
+              <a:buChar char="·"/>
+              <a:defRPr b="1">
+                <a:solidFill>
+                  <a:schemeClr val="bg1"/>
+                </a:solidFill>
+                <a:latin typeface="+mn-lt"/>
+                <a:ea typeface="+mn-ea"/>
+              </a:defRPr>
+            </a:lvl6pPr>
+            <a:lvl7pPr marL="2228850" indent="-171450" algn="l" rtl="0" eaLnBrk="1" fontAlgn="base" hangingPunct="1">
+              <a:spcBef>
+                <a:spcPct val="20000"/>
+              </a:spcBef>
+              <a:spcAft>
+                <a:spcPct val="0"/>
+              </a:spcAft>
+              <a:buClr>
+                <a:srgbClr val="FFFF99"/>
+              </a:buClr>
+              <a:buSzPct val="150000"/>
+              <a:buChar char="·"/>
+              <a:defRPr b="1">
+                <a:solidFill>
+                  <a:schemeClr val="bg1"/>
+                </a:solidFill>
+                <a:latin typeface="+mn-lt"/>
+                <a:ea typeface="+mn-ea"/>
+              </a:defRPr>
+            </a:lvl7pPr>
+            <a:lvl8pPr marL="2571750" indent="-171450" algn="l" rtl="0" eaLnBrk="1" fontAlgn="base" hangingPunct="1">
+              <a:spcBef>
+                <a:spcPct val="20000"/>
+              </a:spcBef>
+              <a:spcAft>
+                <a:spcPct val="0"/>
+              </a:spcAft>
+              <a:buClr>
+                <a:srgbClr val="FFFF99"/>
+              </a:buClr>
+              <a:buSzPct val="150000"/>
+              <a:buChar char="·"/>
+              <a:defRPr b="1">
+                <a:solidFill>
+                  <a:schemeClr val="bg1"/>
+                </a:solidFill>
+                <a:latin typeface="+mn-lt"/>
+                <a:ea typeface="+mn-ea"/>
+              </a:defRPr>
+            </a:lvl8pPr>
+            <a:lvl9pPr marL="2914650" indent="-171450" algn="l" rtl="0" eaLnBrk="1" fontAlgn="base" hangingPunct="1">
+              <a:spcBef>
+                <a:spcPct val="20000"/>
+              </a:spcBef>
+              <a:spcAft>
+                <a:spcPct val="0"/>
+              </a:spcAft>
+              <a:buClr>
+                <a:srgbClr val="FFFF99"/>
+              </a:buClr>
+              <a:buSzPct val="150000"/>
+              <a:buChar char="·"/>
+              <a:defRPr b="1">
+                <a:solidFill>
+                  <a:schemeClr val="bg1"/>
+                </a:solidFill>
+                <a:latin typeface="+mn-lt"/>
+                <a:ea typeface="+mn-ea"/>
+              </a:defRPr>
+            </a:lvl9pPr>
+          </a:lstStyle>
+          <a:p>
+            <a:pPr marL="0" indent="0">
+              <a:buFontTx/>
+              <a:buNone/>
+            </a:pPr>
+            <a:r>
+              <a:rPr lang="en-US" sz="1400" kern="0" dirty="0"/>
+              <a:t>Once you have completed all three fields, click “Connect”</a:t>
+            </a:r>
+          </a:p>
+        </p:txBody>
+      </p:sp>
+      <p:cxnSp>
+        <p:nvCxnSpPr>
+          <p:cNvPr id="21" name="Straight Arrow Connector 20">
+            <a:extLst>
+              <a:ext uri="{FF2B5EF4-FFF2-40B4-BE49-F238E27FC236}">
+                <a16:creationId xmlns:a16="http://schemas.microsoft.com/office/drawing/2014/main" id="{C2A0D345-4DB6-469E-A050-63FBA1BCF3B1}"/>
+              </a:ext>
+            </a:extLst>
+          </p:cNvPr>
+          <p:cNvCxnSpPr/>
+          <p:nvPr/>
+        </p:nvCxnSpPr>
+        <p:spPr bwMode="auto">
+          <a:xfrm flipH="1">
+            <a:off x="6813034" y="1709856"/>
+            <a:ext cx="425966" cy="576144"/>
+          </a:xfrm>
+          <a:prstGeom prst="straightConnector1">
+            <a:avLst/>
+          </a:prstGeom>
+          <a:solidFill>
+            <a:schemeClr val="accent1"/>
+          </a:solidFill>
+          <a:ln w="25400" cap="flat" cmpd="sng" algn="ctr">
+            <a:solidFill>
+              <a:schemeClr val="tx1"/>
+            </a:solidFill>
+            <a:prstDash val="solid"/>
+            <a:round/>
+            <a:headEnd type="none" w="med" len="med"/>
+            <a:tailEnd type="triangle"/>
+          </a:ln>
+          <a:effectLst/>
+          <a:extLst>
+            <a:ext uri="{AF507438-7753-43e0-B8FC-AC1667EBCBE1}">
+              <a14:hiddenEffects xmlns:a14="http://schemas.microsoft.com/office/drawing/2010/main" xmlns="">
+                <a:effectLst>
+                  <a:outerShdw blurRad="63500" dist="38099" dir="2700000" algn="ctr" rotWithShape="0">
+                    <a:schemeClr val="bg2">
+                      <a:alpha val="74998"/>
+                    </a:schemeClr>
+                  </a:outerShdw>
+                </a:effectLst>
+              </a14:hiddenEffects>
+            </a:ext>
+          </a:extLst>
+        </p:spPr>
+      </p:cxnSp>
+    </p:spTree>
+    <p:extLst>
+      <p:ext uri="{BB962C8B-B14F-4D97-AF65-F5344CB8AC3E}">
+        <p14:creationId xmlns:p14="http://schemas.microsoft.com/office/powerpoint/2010/main" val="2608385006"/>
+      </p:ext>
+    </p:extLst>
+  </p:cSld>
+  <p:clrMapOvr>
+    <a:masterClrMapping/>
+  </p:clrMapOvr>
+</p:sld>
+</file>
+
+<file path=ppt/slides/slide6.xml><?xml version="1.0" encoding="utf-8"?>
+<p:sld xmlns:a="http://schemas.openxmlformats.org/drawingml/2006/main" xmlns:r="http://schemas.openxmlformats.org/officeDocument/2006/relationships" xmlns:p="http://schemas.openxmlformats.org/presentationml/2006/main">
+  <p:cSld>
+    <p:spTree>
+      <p:nvGrpSpPr>
+        <p:cNvPr id="1" name=""/>
+        <p:cNvGrpSpPr/>
+        <p:nvPr/>
+      </p:nvGrpSpPr>
+      <p:grpSpPr>
+        <a:xfrm>
+          <a:off x="0" y="0"/>
+          <a:ext cx="0" cy="0"/>
+          <a:chOff x="0" y="0"/>
+          <a:chExt cx="0" cy="0"/>
+        </a:xfrm>
+      </p:grpSpPr>
+      <p:sp>
+        <p:nvSpPr>
+          <p:cNvPr id="2" name="Title 1">
+            <a:extLst>
+              <a:ext uri="{FF2B5EF4-FFF2-40B4-BE49-F238E27FC236}">
                 <a16:creationId xmlns:a16="http://schemas.microsoft.com/office/drawing/2014/main" id="{982B824B-1AB0-4FB8-B700-C9BFAC0750CB}"/>
               </a:ext>
             </a:extLst>
@@ -6147,21 +8183,26 @@
             <p:ph type="title"/>
           </p:nvPr>
         </p:nvSpPr>
-        <p:spPr/>
+        <p:spPr>
+          <a:xfrm>
+            <a:off x="381000" y="152400"/>
+            <a:ext cx="8305800" cy="914400"/>
+          </a:xfrm>
+        </p:spPr>
         <p:txBody>
           <a:bodyPr/>
           <a:lstStyle/>
           <a:p>
             <a:r>
-              <a:rPr lang="en-US" sz="3600" dirty="0"/>
-              <a:t>Connecting to a </a:t>
-            </a:r>
-            <a:r>
-              <a:rPr lang="en-US" sz="3600" dirty="0" err="1"/>
+              <a:rPr lang="en-US" sz="2800" dirty="0"/>
+              <a:t>Details of Connecting to a </a:t>
+            </a:r>
+            <a:r>
+              <a:rPr lang="en-US" sz="2800" dirty="0" err="1"/>
               <a:t>ScienceBase</a:t>
             </a:r>
             <a:r>
-              <a:rPr lang="en-US" sz="3600" dirty="0"/>
+              <a:rPr lang="en-US" sz="2800" dirty="0"/>
               <a:t> Folder</a:t>
             </a:r>
           </a:p>
@@ -6233,15 +8274,7 @@
             <a:pPr lvl="2"/>
             <a:r>
               <a:rPr lang="en-US" sz="1400" dirty="0"/>
-              <a:t>For example, for </a:t>
-            </a:r>
-            <a:r>
-              <a:rPr lang="en-US" sz="1400"/>
-              <a:t>the URL</a:t>
-            </a:r>
-            <a:r>
-              <a:rPr lang="en-US" sz="1400" dirty="0"/>
-              <a:t>: </a:t>
+              <a:t>For example, for the URL: </a:t>
             </a:r>
             <a:r>
               <a:rPr lang="en-US" sz="1400" dirty="0">
@@ -6359,7 +8392,7 @@
 </p:sld>
 </file>
 
-<file path=ppt/slides/slide6.xml><?xml version="1.0" encoding="utf-8"?>
+<file path=ppt/slides/slide7.xml><?xml version="1.0" encoding="utf-8"?>
 <p:sld xmlns:a="http://schemas.openxmlformats.org/drawingml/2006/main" xmlns:r="http://schemas.openxmlformats.org/officeDocument/2006/relationships" xmlns:p="http://schemas.openxmlformats.org/presentationml/2006/main">
   <p:cSld>
     <p:spTree>
@@ -6461,7 +8494,10 @@
               <a:rPr lang="en-US" sz="2000" dirty="0" err="1"/>
               <a:t>ScienceBase</a:t>
             </a:r>
-            <a:endParaRPr lang="en-US" sz="2000" dirty="0"/>
+            <a:r>
+              <a:rPr lang="en-US" sz="2000" dirty="0"/>
+              <a:t> in file _sync_log.csv</a:t>
+            </a:r>
           </a:p>
           <a:p>
             <a:pPr lvl="1"/>
@@ -6524,19 +8560,19 @@
               <a:rPr lang="en-US" sz="1600" dirty="0">
                 <a:sym typeface="Wingdings" panose="05000000000000000000" pitchFamily="2" charset="2"/>
               </a:rPr>
-              <a:t> modification date </a:t>
-            </a:r>
-            <a:r>
-              <a:rPr lang="en-US" sz="1600" dirty="0" err="1">
+              <a:t> modification </a:t>
+            </a:r>
+            <a:r>
+              <a:rPr lang="en-US" sz="1600">
                 <a:sym typeface="Wingdings" panose="05000000000000000000" pitchFamily="2" charset="2"/>
               </a:rPr>
-              <a:t>chaged</a:t>
+              <a:t>date changed </a:t>
             </a:r>
             <a:r>
               <a:rPr lang="en-US" sz="1600" dirty="0">
                 <a:sym typeface="Wingdings" panose="05000000000000000000" pitchFamily="2" charset="2"/>
               </a:rPr>
-              <a:t>  Local file out of date</a:t>
+              <a:t> Local file out of date</a:t>
             </a:r>
           </a:p>
           <a:p>
@@ -6554,10 +8590,40 @@
           </a:p>
         </p:txBody>
       </p:sp>
+      <p:pic>
+        <p:nvPicPr>
+          <p:cNvPr id="5" name="Picture 4">
+            <a:extLst>
+              <a:ext uri="{FF2B5EF4-FFF2-40B4-BE49-F238E27FC236}">
+                <a16:creationId xmlns:a16="http://schemas.microsoft.com/office/drawing/2014/main" id="{1CC80298-6A1A-43F5-B074-27400A4554F4}"/>
+              </a:ext>
+            </a:extLst>
+          </p:cNvPr>
+          <p:cNvPicPr>
+            <a:picLocks noChangeAspect="1"/>
+          </p:cNvPicPr>
+          <p:nvPr/>
+        </p:nvPicPr>
+        <p:blipFill>
+          <a:blip r:embed="rId2"/>
+          <a:stretch>
+            <a:fillRect/>
+          </a:stretch>
+        </p:blipFill>
+        <p:spPr>
+          <a:xfrm>
+            <a:off x="519112" y="5486400"/>
+            <a:ext cx="8105775" cy="371475"/>
+          </a:xfrm>
+          <a:prstGeom prst="rect">
+            <a:avLst/>
+          </a:prstGeom>
+        </p:spPr>
+      </p:pic>
     </p:spTree>
     <p:extLst>
       <p:ext uri="{BB962C8B-B14F-4D97-AF65-F5344CB8AC3E}">
-        <p14:creationId xmlns:p14="http://schemas.microsoft.com/office/powerpoint/2010/main" val="1091452256"/>
+        <p14:creationId xmlns:p14="http://schemas.microsoft.com/office/powerpoint/2010/main" val="1432227270"/>
       </p:ext>
     </p:extLst>
   </p:cSld>
@@ -6567,7 +8633,7 @@
 </p:sld>
 </file>
 
-<file path=ppt/slides/slide7.xml><?xml version="1.0" encoding="utf-8"?>
+<file path=ppt/slides/slide8.xml><?xml version="1.0" encoding="utf-8"?>
 <p:sld xmlns:a="http://schemas.openxmlformats.org/drawingml/2006/main" xmlns:r="http://schemas.openxmlformats.org/officeDocument/2006/relationships" xmlns:p="http://schemas.openxmlformats.org/presentationml/2006/main">
   <p:cSld>
     <p:spTree>
@@ -6717,6 +8783,36 @@
           </a:p>
         </p:txBody>
       </p:sp>
+      <p:pic>
+        <p:nvPicPr>
+          <p:cNvPr id="5" name="Picture 4">
+            <a:extLst>
+              <a:ext uri="{FF2B5EF4-FFF2-40B4-BE49-F238E27FC236}">
+                <a16:creationId xmlns:a16="http://schemas.microsoft.com/office/drawing/2014/main" id="{199306C4-7617-4137-ABF7-4DCA19E5CA85}"/>
+              </a:ext>
+            </a:extLst>
+          </p:cNvPr>
+          <p:cNvPicPr>
+            <a:picLocks noChangeAspect="1"/>
+          </p:cNvPicPr>
+          <p:nvPr/>
+        </p:nvPicPr>
+        <p:blipFill>
+          <a:blip r:embed="rId2"/>
+          <a:stretch>
+            <a:fillRect/>
+          </a:stretch>
+        </p:blipFill>
+        <p:spPr>
+          <a:xfrm>
+            <a:off x="519112" y="5486400"/>
+            <a:ext cx="8105775" cy="371475"/>
+          </a:xfrm>
+          <a:prstGeom prst="rect">
+            <a:avLst/>
+          </a:prstGeom>
+        </p:spPr>
+      </p:pic>
     </p:spTree>
     <p:extLst>
       <p:ext uri="{BB962C8B-B14F-4D97-AF65-F5344CB8AC3E}">
@@ -6730,7 +8826,7 @@
 </p:sld>
 </file>
 
-<file path=ppt/slides/slide8.xml><?xml version="1.0" encoding="utf-8"?>
+<file path=ppt/slides/slide9.xml><?xml version="1.0" encoding="utf-8"?>
 <p:sld xmlns:a="http://schemas.openxmlformats.org/drawingml/2006/main" xmlns:r="http://schemas.openxmlformats.org/officeDocument/2006/relationships" xmlns:p="http://schemas.openxmlformats.org/presentationml/2006/main">
   <p:cSld>
     <p:spTree>
@@ -6763,7 +8859,12 @@
             <p:ph type="title"/>
           </p:nvPr>
         </p:nvSpPr>
-        <p:spPr/>
+        <p:spPr>
+          <a:xfrm>
+            <a:off x="381000" y="152400"/>
+            <a:ext cx="8305800" cy="914400"/>
+          </a:xfrm>
+        </p:spPr>
         <p:txBody>
           <a:bodyPr/>
           <a:lstStyle/>
@@ -6799,244 +8900,256 @@
             <p:ph idx="1"/>
           </p:nvPr>
         </p:nvSpPr>
-        <p:spPr/>
+        <p:spPr>
+          <a:xfrm>
+            <a:off x="152400" y="1295400"/>
+            <a:ext cx="2971800" cy="4495800"/>
+          </a:xfrm>
+        </p:spPr>
         <p:txBody>
           <a:bodyPr/>
           <a:lstStyle/>
           <a:p>
             <a:r>
-              <a:rPr lang="en-US" sz="2400" dirty="0"/>
+              <a:rPr lang="en-US" sz="1600" dirty="0"/>
               <a:t>In the </a:t>
             </a:r>
             <a:r>
-              <a:rPr lang="en-US" sz="2400" dirty="0" err="1"/>
+              <a:rPr lang="en-US" sz="1600" dirty="0" err="1"/>
               <a:t>ScienceBase</a:t>
             </a:r>
             <a:r>
-              <a:rPr lang="en-US" sz="2400" dirty="0"/>
+              <a:rPr lang="en-US" sz="1600" dirty="0"/>
               <a:t> Viewer tree view click on the folder containing the file you want to download</a:t>
             </a:r>
           </a:p>
           <a:p>
             <a:r>
-              <a:rPr lang="en-US" sz="2400" dirty="0"/>
+              <a:rPr lang="en-US" sz="1600" dirty="0"/>
               <a:t>In the list view to the click on the file you want to download</a:t>
             </a:r>
           </a:p>
           <a:p>
             <a:r>
-              <a:rPr lang="en-US" sz="2400" dirty="0"/>
+              <a:rPr lang="en-US" sz="1600" dirty="0"/>
               <a:t>Click “Download File From </a:t>
             </a:r>
             <a:r>
-              <a:rPr lang="en-US" sz="2400" dirty="0" err="1"/>
+              <a:rPr lang="en-US" sz="1600" dirty="0" err="1"/>
               <a:t>ScienceBase</a:t>
             </a:r>
             <a:r>
-              <a:rPr lang="en-US" sz="2400" dirty="0"/>
+              <a:rPr lang="en-US" sz="1600" dirty="0"/>
               <a:t>” button at the bottom of the </a:t>
             </a:r>
             <a:r>
-              <a:rPr lang="en-US" sz="2400" dirty="0" err="1"/>
+              <a:rPr lang="en-US" sz="1600" dirty="0" err="1"/>
               <a:t>ScienceBase</a:t>
             </a:r>
             <a:r>
-              <a:rPr lang="en-US" sz="2400" dirty="0"/>
+              <a:rPr lang="en-US" sz="1600" dirty="0"/>
               <a:t> Viewer window</a:t>
             </a:r>
           </a:p>
           <a:p>
             <a:r>
-              <a:rPr lang="en-US" sz="2400" dirty="0"/>
+              <a:rPr lang="en-US" sz="1600" dirty="0"/>
               <a:t>Zip archives are automatically extracted</a:t>
+            </a:r>
+          </a:p>
+          <a:p>
+            <a:pPr lvl="1"/>
+            <a:r>
+              <a:rPr lang="en-US" sz="1400" dirty="0"/>
+              <a:t>Currently only supports zip archives with single file</a:t>
             </a:r>
           </a:p>
         </p:txBody>
       </p:sp>
+      <p:pic>
+        <p:nvPicPr>
+          <p:cNvPr id="4" name="Picture 3">
+            <a:extLst>
+              <a:ext uri="{FF2B5EF4-FFF2-40B4-BE49-F238E27FC236}">
+                <a16:creationId xmlns:a16="http://schemas.microsoft.com/office/drawing/2014/main" id="{B054DFC0-E534-477D-93B6-4BE640933D8D}"/>
+              </a:ext>
+            </a:extLst>
+          </p:cNvPr>
+          <p:cNvPicPr>
+            <a:picLocks noChangeAspect="1"/>
+          </p:cNvPicPr>
+          <p:nvPr/>
+        </p:nvPicPr>
+        <p:blipFill>
+          <a:blip r:embed="rId2"/>
+          <a:stretch>
+            <a:fillRect/>
+          </a:stretch>
+        </p:blipFill>
+        <p:spPr>
+          <a:xfrm>
+            <a:off x="3200400" y="1330234"/>
+            <a:ext cx="5794886" cy="4825647"/>
+          </a:xfrm>
+          <a:prstGeom prst="rect">
+            <a:avLst/>
+          </a:prstGeom>
+        </p:spPr>
+      </p:pic>
+      <p:cxnSp>
+        <p:nvCxnSpPr>
+          <p:cNvPr id="6" name="Straight Arrow Connector 5">
+            <a:extLst>
+              <a:ext uri="{FF2B5EF4-FFF2-40B4-BE49-F238E27FC236}">
+                <a16:creationId xmlns:a16="http://schemas.microsoft.com/office/drawing/2014/main" id="{C4D44CC3-0445-430E-A6B2-7C964F4BFF13}"/>
+              </a:ext>
+            </a:extLst>
+          </p:cNvPr>
+          <p:cNvCxnSpPr>
+            <a:cxnSpLocks/>
+          </p:cNvCxnSpPr>
+          <p:nvPr/>
+        </p:nvCxnSpPr>
+        <p:spPr bwMode="auto">
+          <a:xfrm>
+            <a:off x="2971800" y="1866900"/>
+            <a:ext cx="990600" cy="2805795"/>
+          </a:xfrm>
+          <a:prstGeom prst="straightConnector1">
+            <a:avLst/>
+          </a:prstGeom>
+          <a:solidFill>
+            <a:schemeClr val="accent1"/>
+          </a:solidFill>
+          <a:ln w="25400" cap="flat" cmpd="sng" algn="ctr">
+            <a:solidFill>
+              <a:schemeClr val="tx1"/>
+            </a:solidFill>
+            <a:prstDash val="solid"/>
+            <a:round/>
+            <a:headEnd type="none" w="med" len="med"/>
+            <a:tailEnd type="triangle"/>
+          </a:ln>
+          <a:effectLst/>
+          <a:extLst>
+            <a:ext uri="{AF507438-7753-43e0-B8FC-AC1667EBCBE1}">
+              <a14:hiddenEffects xmlns:a14="http://schemas.microsoft.com/office/drawing/2010/main" xmlns="">
+                <a:effectLst>
+                  <a:outerShdw blurRad="63500" dist="38099" dir="2700000" algn="ctr" rotWithShape="0">
+                    <a:schemeClr val="bg2">
+                      <a:alpha val="74998"/>
+                    </a:schemeClr>
+                  </a:outerShdw>
+                </a:effectLst>
+              </a14:hiddenEffects>
+            </a:ext>
+          </a:extLst>
+        </p:spPr>
+      </p:cxnSp>
+      <p:cxnSp>
+        <p:nvCxnSpPr>
+          <p:cNvPr id="9" name="Straight Arrow Connector 8">
+            <a:extLst>
+              <a:ext uri="{FF2B5EF4-FFF2-40B4-BE49-F238E27FC236}">
+                <a16:creationId xmlns:a16="http://schemas.microsoft.com/office/drawing/2014/main" id="{D3E3B324-F866-4A2C-9EBA-458A0601406E}"/>
+              </a:ext>
+            </a:extLst>
+          </p:cNvPr>
+          <p:cNvCxnSpPr>
+            <a:cxnSpLocks/>
+          </p:cNvCxnSpPr>
+          <p:nvPr/>
+        </p:nvCxnSpPr>
+        <p:spPr bwMode="auto">
+          <a:xfrm flipV="1">
+            <a:off x="3048000" y="2362200"/>
+            <a:ext cx="1828800" cy="152400"/>
+          </a:xfrm>
+          <a:prstGeom prst="straightConnector1">
+            <a:avLst/>
+          </a:prstGeom>
+          <a:solidFill>
+            <a:schemeClr val="accent1"/>
+          </a:solidFill>
+          <a:ln w="25400" cap="flat" cmpd="sng" algn="ctr">
+            <a:solidFill>
+              <a:schemeClr val="tx1"/>
+            </a:solidFill>
+            <a:prstDash val="solid"/>
+            <a:round/>
+            <a:headEnd type="none" w="med" len="med"/>
+            <a:tailEnd type="triangle"/>
+          </a:ln>
+          <a:effectLst/>
+          <a:extLst>
+            <a:ext uri="{AF507438-7753-43e0-B8FC-AC1667EBCBE1}">
+              <a14:hiddenEffects xmlns:a14="http://schemas.microsoft.com/office/drawing/2010/main" xmlns="">
+                <a:effectLst>
+                  <a:outerShdw blurRad="63500" dist="38099" dir="2700000" algn="ctr" rotWithShape="0">
+                    <a:schemeClr val="bg2">
+                      <a:alpha val="74998"/>
+                    </a:schemeClr>
+                  </a:outerShdw>
+                </a:effectLst>
+              </a14:hiddenEffects>
+            </a:ext>
+          </a:extLst>
+        </p:spPr>
+      </p:cxnSp>
+      <p:cxnSp>
+        <p:nvCxnSpPr>
+          <p:cNvPr id="14" name="Straight Arrow Connector 13">
+            <a:extLst>
+              <a:ext uri="{FF2B5EF4-FFF2-40B4-BE49-F238E27FC236}">
+                <a16:creationId xmlns:a16="http://schemas.microsoft.com/office/drawing/2014/main" id="{EFF9E624-3E34-49E6-B285-F29F3ED91287}"/>
+              </a:ext>
+            </a:extLst>
+          </p:cNvPr>
+          <p:cNvCxnSpPr>
+            <a:cxnSpLocks/>
+          </p:cNvCxnSpPr>
+          <p:nvPr/>
+        </p:nvCxnSpPr>
+        <p:spPr bwMode="auto">
+          <a:xfrm>
+            <a:off x="2895600" y="3962400"/>
+            <a:ext cx="2133600" cy="2057400"/>
+          </a:xfrm>
+          <a:prstGeom prst="straightConnector1">
+            <a:avLst/>
+          </a:prstGeom>
+          <a:solidFill>
+            <a:schemeClr val="accent1"/>
+          </a:solidFill>
+          <a:ln w="25400" cap="flat" cmpd="sng" algn="ctr">
+            <a:solidFill>
+              <a:schemeClr val="tx1"/>
+            </a:solidFill>
+            <a:prstDash val="solid"/>
+            <a:round/>
+            <a:headEnd type="none" w="med" len="med"/>
+            <a:tailEnd type="triangle"/>
+          </a:ln>
+          <a:effectLst/>
+          <a:extLst>
+            <a:ext uri="{AF507438-7753-43e0-B8FC-AC1667EBCBE1}">
+              <a14:hiddenEffects xmlns:a14="http://schemas.microsoft.com/office/drawing/2010/main" xmlns="">
+                <a:effectLst>
+                  <a:outerShdw blurRad="63500" dist="38099" dir="2700000" algn="ctr" rotWithShape="0">
+                    <a:schemeClr val="bg2">
+                      <a:alpha val="74998"/>
+                    </a:schemeClr>
+                  </a:outerShdw>
+                </a:effectLst>
+              </a14:hiddenEffects>
+            </a:ext>
+          </a:extLst>
+        </p:spPr>
+      </p:cxnSp>
     </p:spTree>
     <p:extLst>
       <p:ext uri="{BB962C8B-B14F-4D97-AF65-F5344CB8AC3E}">
-        <p14:creationId xmlns:p14="http://schemas.microsoft.com/office/powerpoint/2010/main" val="2894981193"/>
-      </p:ext>
-    </p:extLst>
-  </p:cSld>
-  <p:clrMapOvr>
-    <a:masterClrMapping/>
-  </p:clrMapOvr>
-</p:sld>
-</file>
-
-<file path=ppt/slides/slide9.xml><?xml version="1.0" encoding="utf-8"?>
-<p:sld xmlns:a="http://schemas.openxmlformats.org/drawingml/2006/main" xmlns:r="http://schemas.openxmlformats.org/officeDocument/2006/relationships" xmlns:p="http://schemas.openxmlformats.org/presentationml/2006/main">
-  <p:cSld>
-    <p:spTree>
-      <p:nvGrpSpPr>
-        <p:cNvPr id="1" name=""/>
-        <p:cNvGrpSpPr/>
-        <p:nvPr/>
-      </p:nvGrpSpPr>
-      <p:grpSpPr>
-        <a:xfrm>
-          <a:off x="0" y="0"/>
-          <a:ext cx="0" cy="0"/>
-          <a:chOff x="0" y="0"/>
-          <a:chExt cx="0" cy="0"/>
-        </a:xfrm>
-      </p:grpSpPr>
-      <p:sp>
-        <p:nvSpPr>
-          <p:cNvPr id="2" name="Title 1">
-            <a:extLst>
-              <a:ext uri="{FF2B5EF4-FFF2-40B4-BE49-F238E27FC236}">
-                <a16:creationId xmlns:a16="http://schemas.microsoft.com/office/drawing/2014/main" id="{0D6D385F-A7F9-44BB-B3CD-F5C1B3B57E37}"/>
-              </a:ext>
-            </a:extLst>
-          </p:cNvPr>
-          <p:cNvSpPr>
-            <a:spLocks noGrp="1"/>
-          </p:cNvSpPr>
-          <p:nvPr>
-            <p:ph type="title"/>
-          </p:nvPr>
-        </p:nvSpPr>
-        <p:spPr/>
-        <p:txBody>
-          <a:bodyPr/>
-          <a:lstStyle/>
-          <a:p>
-            <a:r>
-              <a:rPr lang="en-US" sz="4000" dirty="0"/>
-              <a:t>Uploading a File to </a:t>
-            </a:r>
-            <a:r>
-              <a:rPr lang="en-US" sz="4000" dirty="0" err="1"/>
-              <a:t>ScienceBase</a:t>
-            </a:r>
-            <a:endParaRPr lang="en-US" sz="4000" dirty="0"/>
-          </a:p>
-        </p:txBody>
-      </p:sp>
-      <p:sp>
-        <p:nvSpPr>
-          <p:cNvPr id="3" name="Content Placeholder 2">
-            <a:extLst>
-              <a:ext uri="{FF2B5EF4-FFF2-40B4-BE49-F238E27FC236}">
-                <a16:creationId xmlns:a16="http://schemas.microsoft.com/office/drawing/2014/main" id="{13A8C26B-D1D3-4CBE-BE17-8A20494D7804}"/>
-              </a:ext>
-            </a:extLst>
-          </p:cNvPr>
-          <p:cNvSpPr>
-            <a:spLocks noGrp="1"/>
-          </p:cNvSpPr>
-          <p:nvPr>
-            <p:ph idx="1"/>
-          </p:nvPr>
-        </p:nvSpPr>
-        <p:spPr/>
-        <p:txBody>
-          <a:bodyPr/>
-          <a:lstStyle/>
-          <a:p>
-            <a:r>
-              <a:rPr lang="en-US" sz="2000" dirty="0"/>
-              <a:t>Create or modify a file within the mirrored </a:t>
-            </a:r>
-            <a:r>
-              <a:rPr lang="en-US" sz="2000" dirty="0" err="1"/>
-              <a:t>ScienceBase</a:t>
-            </a:r>
-            <a:r>
-              <a:rPr lang="en-US" sz="2000" dirty="0"/>
-              <a:t> folder structure on your local machine</a:t>
-            </a:r>
-          </a:p>
-          <a:p>
-            <a:r>
-              <a:rPr lang="en-US" sz="2000" dirty="0"/>
-              <a:t>In the </a:t>
-            </a:r>
-            <a:r>
-              <a:rPr lang="en-US" sz="2000" dirty="0" err="1"/>
-              <a:t>ScienceBase</a:t>
-            </a:r>
-            <a:r>
-              <a:rPr lang="en-US" sz="2000" dirty="0"/>
-              <a:t> Viewer window upper-right corner click “Refresh”</a:t>
-            </a:r>
-          </a:p>
-          <a:p>
-            <a:r>
-              <a:rPr lang="en-US" sz="2000" dirty="0"/>
-              <a:t>In the </a:t>
-            </a:r>
-            <a:r>
-              <a:rPr lang="en-US" sz="2000" dirty="0" err="1"/>
-              <a:t>ScienceBase</a:t>
-            </a:r>
-            <a:r>
-              <a:rPr lang="en-US" sz="2000" dirty="0"/>
-              <a:t> Viewer tree view to the click on the folder containing the file you want to upload</a:t>
-            </a:r>
-          </a:p>
-          <a:p>
-            <a:r>
-              <a:rPr lang="en-US" sz="2000" dirty="0"/>
-              <a:t>In the list view to the click on the file you want to upload</a:t>
-            </a:r>
-          </a:p>
-          <a:p>
-            <a:r>
-              <a:rPr lang="en-US" sz="2000" dirty="0"/>
-              <a:t>Click “Upload File To </a:t>
-            </a:r>
-            <a:r>
-              <a:rPr lang="en-US" sz="2000" dirty="0" err="1"/>
-              <a:t>ScienceBase</a:t>
-            </a:r>
-            <a:r>
-              <a:rPr lang="en-US" sz="2000" dirty="0"/>
-              <a:t>” button at the bottom of the </a:t>
-            </a:r>
-            <a:r>
-              <a:rPr lang="en-US" sz="2000" dirty="0" err="1"/>
-              <a:t>ScienceBase</a:t>
-            </a:r>
-            <a:r>
-              <a:rPr lang="en-US" sz="2000" dirty="0"/>
-              <a:t> Viewer window</a:t>
-            </a:r>
-          </a:p>
-          <a:p>
-            <a:r>
-              <a:rPr lang="en-US" sz="2000" dirty="0"/>
-              <a:t>For new files a checkbox will appear below the button</a:t>
-            </a:r>
-          </a:p>
-          <a:p>
-            <a:pPr lvl="1"/>
-            <a:r>
-              <a:rPr lang="en-US" sz="1600" dirty="0"/>
-              <a:t>Click checkbox to zip and upload file</a:t>
-            </a:r>
-          </a:p>
-          <a:p>
-            <a:endParaRPr lang="en-US" sz="2400" dirty="0"/>
-          </a:p>
-          <a:p>
-            <a:endParaRPr lang="en-US" sz="2400" dirty="0"/>
-          </a:p>
-          <a:p>
-            <a:endParaRPr lang="en-US" sz="2400" dirty="0"/>
-          </a:p>
-          <a:p>
-            <a:endParaRPr lang="en-US" sz="2400" dirty="0"/>
-          </a:p>
-        </p:txBody>
-      </p:sp>
-    </p:spTree>
-    <p:extLst>
-      <p:ext uri="{BB962C8B-B14F-4D97-AF65-F5344CB8AC3E}">
-        <p14:creationId xmlns:p14="http://schemas.microsoft.com/office/powerpoint/2010/main" val="3177532791"/>
+        <p14:creationId xmlns:p14="http://schemas.microsoft.com/office/powerpoint/2010/main" val="236300897"/>
       </p:ext>
     </p:extLst>
   </p:cSld>
